--- a/slides/08-26-Introduction.pptx
+++ b/slides/08-26-Introduction.pptx
@@ -3704,7 +3704,7 @@
       </p:grpSpPr>
       <p:sp>
         <p:nvSpPr>
-          <p:cNvPr id="178" name="8/22/2023"/>
+          <p:cNvPr id="178" name="8/26/2024"/>
           <p:cNvSpPr txBox="1"/>
           <p:nvPr>
             <p:ph type="title"/>
@@ -3721,7 +3721,7 @@
           <a:p>
             <a:pPr/>
             <a:r>
-              <a:t>8/22/2023</a:t>
+              <a:t>8/26/2024</a:t>
             </a:r>
           </a:p>
         </p:txBody>
@@ -3752,12 +3752,6 @@
             <a:pPr/>
             <a:r>
               <a:t>Introductions</a:t>
-            </a:r>
-          </a:p>
-          <a:p>
-            <a:pPr/>
-            <a:r>
-              <a:t>Alternative class time</a:t>
             </a:r>
           </a:p>
           <a:p>
@@ -4027,26 +4021,38 @@
                                   </p:childTnLst>
                                 </p:cTn>
                               </p:par>
-                            </p:childTnLst>
-                          </p:cTn>
-                        </p:par>
-                      </p:childTnLst>
-                    </p:cTn>
-                  </p:par>
-                  <p:par>
-                    <p:cTn id="17" fill="hold">
-                      <p:stCondLst>
-                        <p:cond delay="indefinite"/>
-                      </p:stCondLst>
-                      <p:childTnLst>
-                        <p:par>
-                          <p:cTn id="18" fill="hold">
-                            <p:stCondLst>
-                              <p:cond delay="0"/>
-                            </p:stCondLst>
-                            <p:childTnLst>
                               <p:par>
-                                <p:cTn id="19" presetClass="entr" nodeType="clickEffect" presetSubtype="0" presetID="1" grpId="1" fill="hold">
+                                <p:cTn id="17" presetClass="entr" nodeType="withEffect" presetSubtype="0" presetID="1" grpId="1" fill="hold">
+                                  <p:stCondLst>
+                                    <p:cond delay="0"/>
+                                  </p:stCondLst>
+                                  <p:iterate type="el" backwards="0">
+                                    <p:tmAbs val="0"/>
+                                  </p:iterate>
+                                  <p:childTnLst>
+                                    <p:set>
+                                      <p:cBhvr>
+                                        <p:cTn id="18" fill="hold"/>
+                                        <p:tgtEl>
+                                          <p:spTgt spid="179">
+                                            <p:txEl>
+                                              <p:pRg st="3" end="3"/>
+                                            </p:txEl>
+                                          </p:spTgt>
+                                        </p:tgtEl>
+                                        <p:attrNameLst>
+                                          <p:attrName>style.visibility</p:attrName>
+                                        </p:attrNameLst>
+                                      </p:cBhvr>
+                                      <p:to>
+                                        <p:strVal val="visible"/>
+                                      </p:to>
+                                    </p:set>
+                                  </p:childTnLst>
+                                </p:cTn>
+                              </p:par>
+                              <p:par>
+                                <p:cTn id="19" presetClass="entr" nodeType="withEffect" presetSubtype="0" presetID="1" grpId="1" fill="hold">
                                   <p:stCondLst>
                                     <p:cond delay="0"/>
                                   </p:stCondLst>
@@ -4060,7 +4066,7 @@
                                         <p:tgtEl>
                                           <p:spTgt spid="179">
                                             <p:txEl>
-                                              <p:pRg st="3" end="3"/>
+                                              <p:pRg st="4" end="4"/>
                                             </p:txEl>
                                           </p:spTgt>
                                         </p:tgtEl>
@@ -4090,7 +4096,7 @@
                                         <p:tgtEl>
                                           <p:spTgt spid="179">
                                             <p:txEl>
-                                              <p:pRg st="4" end="4"/>
+                                              <p:pRg st="5" end="5"/>
                                             </p:txEl>
                                           </p:spTgt>
                                         </p:tgtEl>
@@ -4120,7 +4126,7 @@
                                         <p:tgtEl>
                                           <p:spTgt spid="179">
                                             <p:txEl>
-                                              <p:pRg st="5" end="5"/>
+                                              <p:pRg st="6" end="6"/>
                                             </p:txEl>
                                           </p:spTgt>
                                         </p:tgtEl>
@@ -4150,7 +4156,7 @@
                                         <p:tgtEl>
                                           <p:spTgt spid="179">
                                             <p:txEl>
-                                              <p:pRg st="6" end="6"/>
+                                              <p:pRg st="7" end="7"/>
                                             </p:txEl>
                                           </p:spTgt>
                                         </p:tgtEl>
@@ -4180,7 +4186,7 @@
                                         <p:tgtEl>
                                           <p:spTgt spid="179">
                                             <p:txEl>
-                                              <p:pRg st="7" end="7"/>
+                                              <p:pRg st="8" end="8"/>
                                             </p:txEl>
                                           </p:spTgt>
                                         </p:tgtEl>
@@ -4210,7 +4216,7 @@
                                         <p:tgtEl>
                                           <p:spTgt spid="179">
                                             <p:txEl>
-                                              <p:pRg st="8" end="8"/>
+                                              <p:pRg st="9" end="9"/>
                                             </p:txEl>
                                           </p:spTgt>
                                         </p:tgtEl>
@@ -4240,67 +4246,7 @@
                                         <p:tgtEl>
                                           <p:spTgt spid="179">
                                             <p:txEl>
-                                              <p:pRg st="9" end="9"/>
-                                            </p:txEl>
-                                          </p:spTgt>
-                                        </p:tgtEl>
-                                        <p:attrNameLst>
-                                          <p:attrName>style.visibility</p:attrName>
-                                        </p:attrNameLst>
-                                      </p:cBhvr>
-                                      <p:to>
-                                        <p:strVal val="visible"/>
-                                      </p:to>
-                                    </p:set>
-                                  </p:childTnLst>
-                                </p:cTn>
-                              </p:par>
-                              <p:par>
-                                <p:cTn id="33" presetClass="entr" nodeType="withEffect" presetSubtype="0" presetID="1" grpId="1" fill="hold">
-                                  <p:stCondLst>
-                                    <p:cond delay="0"/>
-                                  </p:stCondLst>
-                                  <p:iterate type="el" backwards="0">
-                                    <p:tmAbs val="0"/>
-                                  </p:iterate>
-                                  <p:childTnLst>
-                                    <p:set>
-                                      <p:cBhvr>
-                                        <p:cTn id="34" fill="hold"/>
-                                        <p:tgtEl>
-                                          <p:spTgt spid="179">
-                                            <p:txEl>
                                               <p:pRg st="10" end="10"/>
-                                            </p:txEl>
-                                          </p:spTgt>
-                                        </p:tgtEl>
-                                        <p:attrNameLst>
-                                          <p:attrName>style.visibility</p:attrName>
-                                        </p:attrNameLst>
-                                      </p:cBhvr>
-                                      <p:to>
-                                        <p:strVal val="visible"/>
-                                      </p:to>
-                                    </p:set>
-                                  </p:childTnLst>
-                                </p:cTn>
-                              </p:par>
-                              <p:par>
-                                <p:cTn id="35" presetClass="entr" nodeType="withEffect" presetSubtype="0" presetID="1" grpId="1" fill="hold">
-                                  <p:stCondLst>
-                                    <p:cond delay="0"/>
-                                  </p:stCondLst>
-                                  <p:iterate type="el" backwards="0">
-                                    <p:tmAbs val="0"/>
-                                  </p:iterate>
-                                  <p:childTnLst>
-                                    <p:set>
-                                      <p:cBhvr>
-                                        <p:cTn id="36" fill="hold"/>
-                                        <p:tgtEl>
-                                          <p:spTgt spid="179">
-                                            <p:txEl>
-                                              <p:pRg st="11" end="11"/>
                                             </p:txEl>
                                           </p:spTgt>
                                         </p:tgtEl>
@@ -13739,7 +13685,7 @@
       </p:sp>
       <p:sp>
         <p:nvSpPr>
-          <p:cNvPr id="183" name="https://daveminh.github.io/Chem550-2023F/"/>
+          <p:cNvPr id="183" name="https://daveminh.github.io/Chem550-2024F/"/>
           <p:cNvSpPr txBox="1"/>
           <p:nvPr>
             <p:ph type="subTitle" sz="quarter" idx="1"/>
@@ -13767,7 +13713,7 @@
               <a:rPr u="sng">
                 <a:hlinkClick r:id="rId2" invalidUrl="" action="" tgtFrame="" tooltip="" history="1" highlightClick="0" endSnd="0"/>
               </a:rPr>
-              <a:t>https://daveminh.github.io/Chem550-2023F/</a:t>
+              <a:t>https://daveminh.github.io/Chem550-2024F/</a:t>
             </a:r>
           </a:p>
         </p:txBody>
@@ -14816,7 +14762,7 @@
       </p:sp>
       <p:sp>
         <p:nvSpPr>
-          <p:cNvPr id="190" name="Coauthored 52 peer-reviewed journal articles…"/>
+          <p:cNvPr id="190" name="Coauthored 56 peer-reviewed journal articles…"/>
           <p:cNvSpPr txBox="1"/>
           <p:nvPr>
             <p:ph type="body" sz="half" idx="4294967295"/>
@@ -14839,7 +14785,7 @@
               <a:defRPr sz="4600"/>
             </a:pPr>
             <a:r>
-              <a:t>Coauthored 52 peer-reviewed journal articles</a:t>
+              <a:t>Coauthored 56 peer-reviewed journal articles</a:t>
             </a:r>
           </a:p>
           <a:p>
@@ -14847,7 +14793,7 @@
               <a:defRPr sz="4600"/>
             </a:pPr>
             <a:r>
-              <a:t>Cited over 1250 times with an h-index of 21, according to Google scholar. </a:t>
+              <a:t>Cited over 1500 times with an h-index of 22, according to Google scholar. </a:t>
             </a:r>
           </a:p>
           <a:p>
@@ -14887,7 +14833,7 @@
               <a:defRPr sz="4600"/>
             </a:pPr>
             <a:r>
-              <a:t>Involved in virtual screening projects for antibiotic drug discovery</a:t>
+              <a:t>Involved in antibiotic drug discovery</a:t>
             </a:r>
           </a:p>
           <a:p>
@@ -14895,7 +14841,7 @@
               <a:defRPr sz="4600"/>
             </a:pPr>
             <a:r>
-              <a:t>research funded by NIH and NSF</a:t>
+              <a:t>research has been funded by NIH and NSF</a:t>
             </a:r>
           </a:p>
         </p:txBody>

--- a/slides/08-26-Introduction.pptx
+++ b/slides/08-26-Introduction.pptx
@@ -3740,7 +3740,7 @@
           </a:prstGeom>
         </p:spPr>
         <p:txBody>
-          <a:bodyPr/>
+          <a:bodyPr numCol="2" spcCol="1155700"/>
           <a:lstStyle/>
           <a:p>
             <a:pPr/>
@@ -3806,6 +3806,30 @@
             <a:pPr lvl="2"/>
             <a:r>
               <a:t>Definition of a Hermitian operator</a:t>
+            </a:r>
+          </a:p>
+          <a:p>
+            <a:pPr lvl="2"/>
+            <a:r>
+              <a:t>This lecture is designed to help you achieve the following learning objectives</a:t>
+            </a:r>
+          </a:p>
+          <a:p>
+            <a:pPr lvl="3"/>
+            <a:r>
+              <a:t>Define operators and apply them to functions</a:t>
+            </a:r>
+          </a:p>
+          <a:p>
+            <a:pPr lvl="3"/>
+            <a:r>
+              <a:t>Evaluate commutators</a:t>
+            </a:r>
+          </a:p>
+          <a:p>
+            <a:pPr lvl="3"/>
+            <a:r>
+              <a:t>Write mathematical expressions in Dirac Bra-Ket notation</a:t>
             </a:r>
           </a:p>
         </p:txBody>
@@ -4247,6 +4271,126 @@
                                           <p:spTgt spid="179">
                                             <p:txEl>
                                               <p:pRg st="10" end="10"/>
+                                            </p:txEl>
+                                          </p:spTgt>
+                                        </p:tgtEl>
+                                        <p:attrNameLst>
+                                          <p:attrName>style.visibility</p:attrName>
+                                        </p:attrNameLst>
+                                      </p:cBhvr>
+                                      <p:to>
+                                        <p:strVal val="visible"/>
+                                      </p:to>
+                                    </p:set>
+                                  </p:childTnLst>
+                                </p:cTn>
+                              </p:par>
+                              <p:par>
+                                <p:cTn id="33" presetClass="entr" nodeType="withEffect" presetSubtype="0" presetID="1" grpId="1" fill="hold">
+                                  <p:stCondLst>
+                                    <p:cond delay="0"/>
+                                  </p:stCondLst>
+                                  <p:iterate type="el" backwards="0">
+                                    <p:tmAbs val="0"/>
+                                  </p:iterate>
+                                  <p:childTnLst>
+                                    <p:set>
+                                      <p:cBhvr>
+                                        <p:cTn id="34" fill="hold"/>
+                                        <p:tgtEl>
+                                          <p:spTgt spid="179">
+                                            <p:txEl>
+                                              <p:pRg st="11" end="11"/>
+                                            </p:txEl>
+                                          </p:spTgt>
+                                        </p:tgtEl>
+                                        <p:attrNameLst>
+                                          <p:attrName>style.visibility</p:attrName>
+                                        </p:attrNameLst>
+                                      </p:cBhvr>
+                                      <p:to>
+                                        <p:strVal val="visible"/>
+                                      </p:to>
+                                    </p:set>
+                                  </p:childTnLst>
+                                </p:cTn>
+                              </p:par>
+                              <p:par>
+                                <p:cTn id="35" presetClass="entr" nodeType="withEffect" presetSubtype="0" presetID="1" grpId="1" fill="hold">
+                                  <p:stCondLst>
+                                    <p:cond delay="0"/>
+                                  </p:stCondLst>
+                                  <p:iterate type="el" backwards="0">
+                                    <p:tmAbs val="0"/>
+                                  </p:iterate>
+                                  <p:childTnLst>
+                                    <p:set>
+                                      <p:cBhvr>
+                                        <p:cTn id="36" fill="hold"/>
+                                        <p:tgtEl>
+                                          <p:spTgt spid="179">
+                                            <p:txEl>
+                                              <p:pRg st="12" end="12"/>
+                                            </p:txEl>
+                                          </p:spTgt>
+                                        </p:tgtEl>
+                                        <p:attrNameLst>
+                                          <p:attrName>style.visibility</p:attrName>
+                                        </p:attrNameLst>
+                                      </p:cBhvr>
+                                      <p:to>
+                                        <p:strVal val="visible"/>
+                                      </p:to>
+                                    </p:set>
+                                  </p:childTnLst>
+                                </p:cTn>
+                              </p:par>
+                              <p:par>
+                                <p:cTn id="37" presetClass="entr" nodeType="withEffect" presetSubtype="0" presetID="1" grpId="1" fill="hold">
+                                  <p:stCondLst>
+                                    <p:cond delay="0"/>
+                                  </p:stCondLst>
+                                  <p:iterate type="el" backwards="0">
+                                    <p:tmAbs val="0"/>
+                                  </p:iterate>
+                                  <p:childTnLst>
+                                    <p:set>
+                                      <p:cBhvr>
+                                        <p:cTn id="38" fill="hold"/>
+                                        <p:tgtEl>
+                                          <p:spTgt spid="179">
+                                            <p:txEl>
+                                              <p:pRg st="13" end="13"/>
+                                            </p:txEl>
+                                          </p:spTgt>
+                                        </p:tgtEl>
+                                        <p:attrNameLst>
+                                          <p:attrName>style.visibility</p:attrName>
+                                        </p:attrNameLst>
+                                      </p:cBhvr>
+                                      <p:to>
+                                        <p:strVal val="visible"/>
+                                      </p:to>
+                                    </p:set>
+                                  </p:childTnLst>
+                                </p:cTn>
+                              </p:par>
+                              <p:par>
+                                <p:cTn id="39" presetClass="entr" nodeType="withEffect" presetSubtype="0" presetID="1" grpId="1" fill="hold">
+                                  <p:stCondLst>
+                                    <p:cond delay="0"/>
+                                  </p:stCondLst>
+                                  <p:iterate type="el" backwards="0">
+                                    <p:tmAbs val="0"/>
+                                  </p:iterate>
+                                  <p:childTnLst>
+                                    <p:set>
+                                      <p:cBhvr>
+                                        <p:cTn id="40" fill="hold"/>
+                                        <p:tgtEl>
+                                          <p:spTgt spid="179">
+                                            <p:txEl>
+                                              <p:pRg st="14" end="14"/>
                                             </p:txEl>
                                           </p:spTgt>
                                         </p:tgtEl>

--- a/slides/08-26-Introduction.pptx
+++ b/slides/08-26-Introduction.pptx
@@ -4497,16 +4497,11 @@
           <a:bodyPr/>
           <a:lstStyle/>
           <a:p>
-            <a:pPr marL="543277" indent="-543277" defTabSz="722947">
-              <a:spcBef>
-                <a:spcPts val="5100"/>
-              </a:spcBef>
-              <a:defRPr sz="4400"/>
-            </a:pPr>
+            <a:pPr/>
             <a14:m>
               <m:oMath>
                 <m:r>
-                  <a:rPr xmlns:a="http://schemas.openxmlformats.org/drawingml/2006/main" sz="5350" i="1">
+                  <a:rPr xmlns:a="http://schemas.openxmlformats.org/drawingml/2006/main" sz="6100" i="1">
                     <a:solidFill>
                       <a:srgbClr val="000000"/>
                     </a:solidFill>
@@ -4520,7 +4515,7 @@
                       <m:rPr>
                         <m:sty m:val="b"/>
                       </m:rPr>
-                      <a:rPr xmlns:a="http://schemas.openxmlformats.org/drawingml/2006/main" sz="5350" i="1">
+                      <a:rPr xmlns:a="http://schemas.openxmlformats.org/drawingml/2006/main" sz="6100" i="1">
                         <a:solidFill>
                           <a:srgbClr val="000000"/>
                         </a:solidFill>
@@ -4531,7 +4526,7 @@
                   </m:e>
                   <m:lim>
                     <m:r>
-                      <a:rPr xmlns:a="http://schemas.openxmlformats.org/drawingml/2006/main" sz="5350" i="1">
+                      <a:rPr xmlns:a="http://schemas.openxmlformats.org/drawingml/2006/main" sz="6100" i="1">
                         <a:solidFill>
                           <a:srgbClr val="000000"/>
                         </a:solidFill>
@@ -4542,7 +4537,7 @@
                   </m:lim>
                 </m:limUpp>
                 <m:r>
-                  <a:rPr xmlns:a="http://schemas.openxmlformats.org/drawingml/2006/main" sz="5350" i="1">
+                  <a:rPr xmlns:a="http://schemas.openxmlformats.org/drawingml/2006/main" sz="6100" i="1">
                     <a:solidFill>
                       <a:srgbClr val="000000"/>
                     </a:solidFill>
@@ -4556,7 +4551,7 @@
                       <m:rPr>
                         <m:sty m:val="b"/>
                       </m:rPr>
-                      <a:rPr xmlns:a="http://schemas.openxmlformats.org/drawingml/2006/main" sz="5350" i="1">
+                      <a:rPr xmlns:a="http://schemas.openxmlformats.org/drawingml/2006/main" sz="6100" i="1">
                         <a:solidFill>
                           <a:srgbClr val="000000"/>
                         </a:solidFill>
@@ -4567,7 +4562,7 @@
                   </m:e>
                   <m:lim>
                     <m:r>
-                      <a:rPr xmlns:a="http://schemas.openxmlformats.org/drawingml/2006/main" sz="5350" i="1">
+                      <a:rPr xmlns:a="http://schemas.openxmlformats.org/drawingml/2006/main" sz="6100" i="1">
                         <a:solidFill>
                           <a:srgbClr val="000000"/>
                         </a:solidFill>
@@ -4578,7 +4573,7 @@
                   </m:lim>
                 </m:limUpp>
                 <m:r>
-                  <a:rPr xmlns:a="http://schemas.openxmlformats.org/drawingml/2006/main" sz="5350" i="1">
+                  <a:rPr xmlns:a="http://schemas.openxmlformats.org/drawingml/2006/main" sz="6100" i="1">
                     <a:solidFill>
                       <a:srgbClr val="000000"/>
                     </a:solidFill>
@@ -4587,7 +4582,7 @@
                   <m:t>]</m:t>
                 </m:r>
                 <m:r>
-                  <a:rPr xmlns:a="http://schemas.openxmlformats.org/drawingml/2006/main" sz="5350" i="1">
+                  <a:rPr xmlns:a="http://schemas.openxmlformats.org/drawingml/2006/main" sz="6100" i="1">
                     <a:solidFill>
                       <a:srgbClr val="000000"/>
                     </a:solidFill>
@@ -4601,7 +4596,7 @@
                       <m:rPr>
                         <m:sty m:val="b"/>
                       </m:rPr>
-                      <a:rPr xmlns:a="http://schemas.openxmlformats.org/drawingml/2006/main" sz="5350" i="1">
+                      <a:rPr xmlns:a="http://schemas.openxmlformats.org/drawingml/2006/main" sz="6100" i="1">
                         <a:solidFill>
                           <a:srgbClr val="000000"/>
                         </a:solidFill>
@@ -4612,7 +4607,7 @@
                   </m:e>
                   <m:lim>
                     <m:r>
-                      <a:rPr xmlns:a="http://schemas.openxmlformats.org/drawingml/2006/main" sz="5350" i="1">
+                      <a:rPr xmlns:a="http://schemas.openxmlformats.org/drawingml/2006/main" sz="6100" i="1">
                         <a:solidFill>
                           <a:srgbClr val="000000"/>
                         </a:solidFill>
@@ -4628,7 +4623,7 @@
                       <m:rPr>
                         <m:sty m:val="b"/>
                       </m:rPr>
-                      <a:rPr xmlns:a="http://schemas.openxmlformats.org/drawingml/2006/main" sz="5350" i="1">
+                      <a:rPr xmlns:a="http://schemas.openxmlformats.org/drawingml/2006/main" sz="6100" i="1">
                         <a:solidFill>
                           <a:srgbClr val="000000"/>
                         </a:solidFill>
@@ -4639,7 +4634,7 @@
                   </m:e>
                   <m:lim>
                     <m:r>
-                      <a:rPr xmlns:a="http://schemas.openxmlformats.org/drawingml/2006/main" sz="5350" i="1">
+                      <a:rPr xmlns:a="http://schemas.openxmlformats.org/drawingml/2006/main" sz="6100" i="1">
                         <a:solidFill>
                           <a:srgbClr val="000000"/>
                         </a:solidFill>
@@ -4650,7 +4645,7 @@
                   </m:lim>
                 </m:limUpp>
                 <m:r>
-                  <a:rPr xmlns:a="http://schemas.openxmlformats.org/drawingml/2006/main" sz="5350" i="1">
+                  <a:rPr xmlns:a="http://schemas.openxmlformats.org/drawingml/2006/main" sz="6100" i="1">
                     <a:solidFill>
                       <a:srgbClr val="000000"/>
                     </a:solidFill>
@@ -4664,7 +4659,7 @@
                       <m:rPr>
                         <m:sty m:val="b"/>
                       </m:rPr>
-                      <a:rPr xmlns:a="http://schemas.openxmlformats.org/drawingml/2006/main" sz="5350" i="1">
+                      <a:rPr xmlns:a="http://schemas.openxmlformats.org/drawingml/2006/main" sz="6100" i="1">
                         <a:solidFill>
                           <a:srgbClr val="000000"/>
                         </a:solidFill>
@@ -4675,7 +4670,7 @@
                   </m:e>
                   <m:lim>
                     <m:r>
-                      <a:rPr xmlns:a="http://schemas.openxmlformats.org/drawingml/2006/main" sz="5350" i="1">
+                      <a:rPr xmlns:a="http://schemas.openxmlformats.org/drawingml/2006/main" sz="6100" i="1">
                         <a:solidFill>
                           <a:srgbClr val="000000"/>
                         </a:solidFill>
@@ -4691,7 +4686,7 @@
                       <m:rPr>
                         <m:sty m:val="b"/>
                       </m:rPr>
-                      <a:rPr xmlns:a="http://schemas.openxmlformats.org/drawingml/2006/main" sz="5350" i="1">
+                      <a:rPr xmlns:a="http://schemas.openxmlformats.org/drawingml/2006/main" sz="6100" i="1">
                         <a:solidFill>
                           <a:srgbClr val="000000"/>
                         </a:solidFill>
@@ -4702,7 +4697,7 @@
                   </m:e>
                   <m:lim>
                     <m:r>
-                      <a:rPr xmlns:a="http://schemas.openxmlformats.org/drawingml/2006/main" sz="5350" i="1">
+                      <a:rPr xmlns:a="http://schemas.openxmlformats.org/drawingml/2006/main" sz="6100" i="1">
                         <a:solidFill>
                           <a:srgbClr val="000000"/>
                         </a:solidFill>
@@ -4719,19 +4714,14 @@
             </a:r>
           </a:p>
           <a:p>
-            <a:pPr marL="543277" indent="-543277" defTabSz="722947">
-              <a:spcBef>
-                <a:spcPts val="5100"/>
-              </a:spcBef>
-              <a:defRPr sz="4400"/>
-            </a:pPr>
+            <a:pPr/>
             <a:r>
               <a:t>If </a:t>
             </a:r>
             <a14:m>
               <m:oMath>
                 <m:r>
-                  <a:rPr xmlns:a="http://schemas.openxmlformats.org/drawingml/2006/main" sz="5350" i="1">
+                  <a:rPr xmlns:a="http://schemas.openxmlformats.org/drawingml/2006/main" sz="6100" i="1">
                     <a:solidFill>
                       <a:srgbClr val="000000"/>
                     </a:solidFill>
@@ -4745,7 +4735,7 @@
                       <m:rPr>
                         <m:sty m:val="b"/>
                       </m:rPr>
-                      <a:rPr xmlns:a="http://schemas.openxmlformats.org/drawingml/2006/main" sz="5350" i="1">
+                      <a:rPr xmlns:a="http://schemas.openxmlformats.org/drawingml/2006/main" sz="6100" i="1">
                         <a:solidFill>
                           <a:srgbClr val="000000"/>
                         </a:solidFill>
@@ -4756,7 +4746,7 @@
                   </m:e>
                   <m:lim>
                     <m:r>
-                      <a:rPr xmlns:a="http://schemas.openxmlformats.org/drawingml/2006/main" sz="5350" i="1">
+                      <a:rPr xmlns:a="http://schemas.openxmlformats.org/drawingml/2006/main" sz="6100" i="1">
                         <a:solidFill>
                           <a:srgbClr val="000000"/>
                         </a:solidFill>
@@ -4767,7 +4757,7 @@
                   </m:lim>
                 </m:limUpp>
                 <m:r>
-                  <a:rPr xmlns:a="http://schemas.openxmlformats.org/drawingml/2006/main" sz="5350" i="1">
+                  <a:rPr xmlns:a="http://schemas.openxmlformats.org/drawingml/2006/main" sz="6100" i="1">
                     <a:solidFill>
                       <a:srgbClr val="000000"/>
                     </a:solidFill>
@@ -4781,7 +4771,7 @@
                       <m:rPr>
                         <m:sty m:val="b"/>
                       </m:rPr>
-                      <a:rPr xmlns:a="http://schemas.openxmlformats.org/drawingml/2006/main" sz="5350" i="1">
+                      <a:rPr xmlns:a="http://schemas.openxmlformats.org/drawingml/2006/main" sz="6100" i="1">
                         <a:solidFill>
                           <a:srgbClr val="000000"/>
                         </a:solidFill>
@@ -4792,7 +4782,7 @@
                   </m:e>
                   <m:lim>
                     <m:r>
-                      <a:rPr xmlns:a="http://schemas.openxmlformats.org/drawingml/2006/main" sz="5350" i="1">
+                      <a:rPr xmlns:a="http://schemas.openxmlformats.org/drawingml/2006/main" sz="6100" i="1">
                         <a:solidFill>
                           <a:srgbClr val="000000"/>
                         </a:solidFill>
@@ -4803,7 +4793,7 @@
                   </m:lim>
                 </m:limUpp>
                 <m:r>
-                  <a:rPr xmlns:a="http://schemas.openxmlformats.org/drawingml/2006/main" sz="5350" i="1">
+                  <a:rPr xmlns:a="http://schemas.openxmlformats.org/drawingml/2006/main" sz="6100" i="1">
                     <a:solidFill>
                       <a:srgbClr val="000000"/>
                     </a:solidFill>
@@ -4812,7 +4802,7 @@
                   <m:t>]</m:t>
                 </m:r>
                 <m:r>
-                  <a:rPr xmlns:a="http://schemas.openxmlformats.org/drawingml/2006/main" sz="5350" i="1">
+                  <a:rPr xmlns:a="http://schemas.openxmlformats.org/drawingml/2006/main" sz="6100" i="1">
                     <a:solidFill>
                       <a:srgbClr val="000000"/>
                     </a:solidFill>
@@ -4821,7 +4811,7 @@
                   <m:t>=</m:t>
                 </m:r>
                 <m:r>
-                  <a:rPr xmlns:a="http://schemas.openxmlformats.org/drawingml/2006/main" sz="5350" i="1">
+                  <a:rPr xmlns:a="http://schemas.openxmlformats.org/drawingml/2006/main" sz="6100" i="1">
                     <a:solidFill>
                       <a:srgbClr val="000000"/>
                     </a:solidFill>
@@ -4842,7 +4832,7 @@
                       <m:rPr>
                         <m:sty m:val="b"/>
                       </m:rPr>
-                      <a:rPr xmlns:a="http://schemas.openxmlformats.org/drawingml/2006/main" sz="5350" i="1">
+                      <a:rPr xmlns:a="http://schemas.openxmlformats.org/drawingml/2006/main" sz="6100" i="1">
                         <a:solidFill>
                           <a:srgbClr val="000000"/>
                         </a:solidFill>
@@ -4853,7 +4843,7 @@
                   </m:e>
                   <m:lim>
                     <m:r>
-                      <a:rPr xmlns:a="http://schemas.openxmlformats.org/drawingml/2006/main" sz="5350" i="1">
+                      <a:rPr xmlns:a="http://schemas.openxmlformats.org/drawingml/2006/main" sz="6100" i="1">
                         <a:solidFill>
                           <a:srgbClr val="000000"/>
                         </a:solidFill>
@@ -4876,7 +4866,7 @@
                       <m:rPr>
                         <m:sty m:val="b"/>
                       </m:rPr>
-                      <a:rPr xmlns:a="http://schemas.openxmlformats.org/drawingml/2006/main" sz="5350" i="1">
+                      <a:rPr xmlns:a="http://schemas.openxmlformats.org/drawingml/2006/main" sz="6100" i="1">
                         <a:solidFill>
                           <a:srgbClr val="000000"/>
                         </a:solidFill>
@@ -4887,7 +4877,7 @@
                   </m:e>
                   <m:lim>
                     <m:r>
-                      <a:rPr xmlns:a="http://schemas.openxmlformats.org/drawingml/2006/main" sz="5350" i="1">
+                      <a:rPr xmlns:a="http://schemas.openxmlformats.org/drawingml/2006/main" sz="6100" i="1">
                         <a:solidFill>
                           <a:srgbClr val="000000"/>
                         </a:solidFill>
@@ -4919,12 +4909,7 @@
             </a:endParaRPr>
           </a:p>
           <a:p>
-            <a:pPr marL="543277" indent="-543277" defTabSz="722947">
-              <a:spcBef>
-                <a:spcPts val="5100"/>
-              </a:spcBef>
-              <a:defRPr sz="4400"/>
-            </a:pPr>
+            <a:pPr/>
             <a:endParaRPr i="1">
               <a:latin typeface="+mj-lt"/>
               <a:ea typeface="+mj-ea"/>
@@ -4933,12 +4918,7 @@
             </a:endParaRPr>
           </a:p>
           <a:p>
-            <a:pPr marL="543277" indent="-543277" defTabSz="722947">
-              <a:spcBef>
-                <a:spcPts val="5100"/>
-              </a:spcBef>
-              <a:defRPr sz="4400"/>
-            </a:pPr>
+            <a:pPr/>
             <a:r>
               <a:t>Evaluate the commutator </a:t>
             </a:r>
@@ -4947,7 +4927,7 @@
                 <m:d>
                   <m:dPr>
                     <m:ctrlPr>
-                      <a:rPr xmlns:a="http://schemas.openxmlformats.org/drawingml/2006/main" sz="5350" i="1">
+                      <a:rPr xmlns:a="http://schemas.openxmlformats.org/drawingml/2006/main" sz="6100" i="1">
                         <a:solidFill>
                           <a:srgbClr val="000000"/>
                         </a:solidFill>
@@ -4959,7 +4939,7 @@
                   </m:dPr>
                   <m:e>
                     <m:r>
-                      <a:rPr xmlns:a="http://schemas.openxmlformats.org/drawingml/2006/main" sz="5350" i="1">
+                      <a:rPr xmlns:a="http://schemas.openxmlformats.org/drawingml/2006/main" sz="6100" i="1">
                         <a:solidFill>
                           <a:srgbClr val="000000"/>
                         </a:solidFill>
@@ -4968,7 +4948,7 @@
                       <m:t>x</m:t>
                     </m:r>
                     <m:r>
-                      <a:rPr xmlns:a="http://schemas.openxmlformats.org/drawingml/2006/main" sz="5350" i="1">
+                      <a:rPr xmlns:a="http://schemas.openxmlformats.org/drawingml/2006/main" sz="6100" i="1">
                         <a:solidFill>
                           <a:srgbClr val="000000"/>
                         </a:solidFill>
@@ -4979,7 +4959,7 @@
                     <m:f>
                       <m:fPr>
                         <m:ctrlPr>
-                          <a:rPr xmlns:a="http://schemas.openxmlformats.org/drawingml/2006/main" sz="5350" i="1">
+                          <a:rPr xmlns:a="http://schemas.openxmlformats.org/drawingml/2006/main" sz="6100" i="1">
                             <a:solidFill>
                               <a:srgbClr val="000000"/>
                             </a:solidFill>
@@ -4990,7 +4970,7 @@
                       </m:fPr>
                       <m:num>
                         <m:r>
-                          <a:rPr xmlns:a="http://schemas.openxmlformats.org/drawingml/2006/main" sz="5350" i="1">
+                          <a:rPr xmlns:a="http://schemas.openxmlformats.org/drawingml/2006/main" sz="6100" i="1">
                             <a:solidFill>
                               <a:srgbClr val="000000"/>
                             </a:solidFill>
@@ -5001,7 +4981,7 @@
                       </m:num>
                       <m:den>
                         <m:r>
-                          <a:rPr xmlns:a="http://schemas.openxmlformats.org/drawingml/2006/main" sz="5350" i="1">
+                          <a:rPr xmlns:a="http://schemas.openxmlformats.org/drawingml/2006/main" sz="6100" i="1">
                             <a:solidFill>
                               <a:srgbClr val="000000"/>
                             </a:solidFill>
@@ -5010,7 +4990,7 @@
                           <m:t>d</m:t>
                         </m:r>
                         <m:r>
-                          <a:rPr xmlns:a="http://schemas.openxmlformats.org/drawingml/2006/main" sz="5350" i="1">
+                          <a:rPr xmlns:a="http://schemas.openxmlformats.org/drawingml/2006/main" sz="6100" i="1">
                             <a:solidFill>
                               <a:srgbClr val="000000"/>
                             </a:solidFill>
@@ -5027,596 +5007,6 @@
             <a:r>
               <a:t>. Do the operators commute?</a:t>
             </a:r>
-          </a:p>
-          <a:p>
-            <a:pPr lvl="1" marL="934437" indent="-543277" defTabSz="722947">
-              <a:spcBef>
-                <a:spcPts val="5100"/>
-              </a:spcBef>
-              <a:defRPr sz="4400">
-                <a:solidFill>
-                  <a:schemeClr val="accent1">
-                    <a:satOff val="-3355"/>
-                    <a:lumOff val="26614"/>
-                  </a:schemeClr>
-                </a:solidFill>
-              </a:defRPr>
-            </a:pPr>
-            <a14:m>
-              <m:oMathPara>
-                <m:oMathParaPr>
-                  <m:jc m:val="left"/>
-                </m:oMathParaPr>
-                <m:oMath>
-                  <m:d>
-                    <m:dPr>
-                      <m:ctrlPr>
-                        <a:rPr xmlns:a="http://schemas.openxmlformats.org/drawingml/2006/main" sz="5350" i="1">
-                          <a:solidFill>
-                            <a:srgbClr val="51A7F9"/>
-                          </a:solidFill>
-                          <a:latin typeface="Cambria Math" panose="02040503050406030204" pitchFamily="18" charset="0"/>
-                        </a:rPr>
-                      </m:ctrlPr>
-                      <m:begChr m:val="["/>
-                      <m:endChr m:val="]"/>
-                    </m:dPr>
-                    <m:e>
-                      <m:r>
-                        <a:rPr xmlns:a="http://schemas.openxmlformats.org/drawingml/2006/main" sz="5350" i="1">
-                          <a:solidFill>
-                            <a:srgbClr val="51A7F9"/>
-                          </a:solidFill>
-                          <a:latin typeface="Cambria Math" panose="02040503050406030204" pitchFamily="18" charset="0"/>
-                        </a:rPr>
-                        <m:t>x</m:t>
-                      </m:r>
-                      <m:r>
-                        <a:rPr xmlns:a="http://schemas.openxmlformats.org/drawingml/2006/main" sz="5350" i="1">
-                          <a:solidFill>
-                            <a:srgbClr val="51A7F9"/>
-                          </a:solidFill>
-                          <a:latin typeface="Cambria Math" panose="02040503050406030204" pitchFamily="18" charset="0"/>
-                        </a:rPr>
-                        <m:t>,</m:t>
-                      </m:r>
-                      <m:f>
-                        <m:fPr>
-                          <m:ctrlPr>
-                            <a:rPr xmlns:a="http://schemas.openxmlformats.org/drawingml/2006/main" sz="5350" i="1">
-                              <a:solidFill>
-                                <a:srgbClr val="51A7F9"/>
-                              </a:solidFill>
-                              <a:latin typeface="Cambria Math" panose="02040503050406030204" pitchFamily="18" charset="0"/>
-                            </a:rPr>
-                          </m:ctrlPr>
-                          <m:type m:val="bar"/>
-                        </m:fPr>
-                        <m:num>
-                          <m:r>
-                            <a:rPr xmlns:a="http://schemas.openxmlformats.org/drawingml/2006/main" sz="5350" i="1">
-                              <a:solidFill>
-                                <a:srgbClr val="51A7F9"/>
-                              </a:solidFill>
-                              <a:latin typeface="Cambria Math" panose="02040503050406030204" pitchFamily="18" charset="0"/>
-                            </a:rPr>
-                            <m:t>d</m:t>
-                          </m:r>
-                        </m:num>
-                        <m:den>
-                          <m:r>
-                            <a:rPr xmlns:a="http://schemas.openxmlformats.org/drawingml/2006/main" sz="5350" i="1">
-                              <a:solidFill>
-                                <a:srgbClr val="51A7F9"/>
-                              </a:solidFill>
-                              <a:latin typeface="Cambria Math" panose="02040503050406030204" pitchFamily="18" charset="0"/>
-                            </a:rPr>
-                            <m:t>d</m:t>
-                          </m:r>
-                          <m:r>
-                            <a:rPr xmlns:a="http://schemas.openxmlformats.org/drawingml/2006/main" sz="5350" i="1">
-                              <a:solidFill>
-                                <a:srgbClr val="51A7F9"/>
-                              </a:solidFill>
-                              <a:latin typeface="Cambria Math" panose="02040503050406030204" pitchFamily="18" charset="0"/>
-                            </a:rPr>
-                            <m:t>x</m:t>
-                          </m:r>
-                        </m:den>
-                      </m:f>
-                    </m:e>
-                  </m:d>
-                  <m:r>
-                    <a:rPr xmlns:a="http://schemas.openxmlformats.org/drawingml/2006/main" sz="5350" i="1">
-                      <a:solidFill>
-                        <a:srgbClr val="51A7F9"/>
-                      </a:solidFill>
-                      <a:latin typeface="Cambria Math" panose="02040503050406030204" pitchFamily="18" charset="0"/>
-                    </a:rPr>
-                    <m:t>f</m:t>
-                  </m:r>
-                  <m:r>
-                    <a:rPr xmlns:a="http://schemas.openxmlformats.org/drawingml/2006/main" sz="5350" i="1">
-                      <a:solidFill>
-                        <a:srgbClr val="51A7F9"/>
-                      </a:solidFill>
-                      <a:latin typeface="Cambria Math" panose="02040503050406030204" pitchFamily="18" charset="0"/>
-                    </a:rPr>
-                    <m:t>=</m:t>
-                  </m:r>
-                  <m:r>
-                    <a:rPr xmlns:a="http://schemas.openxmlformats.org/drawingml/2006/main" sz="5350" i="1">
-                      <a:solidFill>
-                        <a:srgbClr val="51A7F9"/>
-                      </a:solidFill>
-                      <a:latin typeface="Cambria Math" panose="02040503050406030204" pitchFamily="18" charset="0"/>
-                    </a:rPr>
-                    <m:t>x</m:t>
-                  </m:r>
-                  <m:f>
-                    <m:fPr>
-                      <m:ctrlPr>
-                        <a:rPr xmlns:a="http://schemas.openxmlformats.org/drawingml/2006/main" sz="5350" i="1">
-                          <a:solidFill>
-                            <a:srgbClr val="51A7F9"/>
-                          </a:solidFill>
-                          <a:latin typeface="Cambria Math" panose="02040503050406030204" pitchFamily="18" charset="0"/>
-                        </a:rPr>
-                      </m:ctrlPr>
-                      <m:type m:val="bar"/>
-                    </m:fPr>
-                    <m:num>
-                      <m:r>
-                        <a:rPr xmlns:a="http://schemas.openxmlformats.org/drawingml/2006/main" sz="5350" i="1">
-                          <a:solidFill>
-                            <a:srgbClr val="51A7F9"/>
-                          </a:solidFill>
-                          <a:latin typeface="Cambria Math" panose="02040503050406030204" pitchFamily="18" charset="0"/>
-                        </a:rPr>
-                        <m:t>d</m:t>
-                      </m:r>
-                      <m:r>
-                        <a:rPr xmlns:a="http://schemas.openxmlformats.org/drawingml/2006/main" sz="5350" i="1">
-                          <a:solidFill>
-                            <a:srgbClr val="51A7F9"/>
-                          </a:solidFill>
-                          <a:latin typeface="Cambria Math" panose="02040503050406030204" pitchFamily="18" charset="0"/>
-                        </a:rPr>
-                        <m:t>f</m:t>
-                      </m:r>
-                    </m:num>
-                    <m:den>
-                      <m:r>
-                        <a:rPr xmlns:a="http://schemas.openxmlformats.org/drawingml/2006/main" sz="5350" i="1">
-                          <a:solidFill>
-                            <a:srgbClr val="51A7F9"/>
-                          </a:solidFill>
-                          <a:latin typeface="Cambria Math" panose="02040503050406030204" pitchFamily="18" charset="0"/>
-                        </a:rPr>
-                        <m:t>d</m:t>
-                      </m:r>
-                      <m:r>
-                        <a:rPr xmlns:a="http://schemas.openxmlformats.org/drawingml/2006/main" sz="5350" i="1">
-                          <a:solidFill>
-                            <a:srgbClr val="51A7F9"/>
-                          </a:solidFill>
-                          <a:latin typeface="Cambria Math" panose="02040503050406030204" pitchFamily="18" charset="0"/>
-                        </a:rPr>
-                        <m:t>x</m:t>
-                      </m:r>
-                    </m:den>
-                  </m:f>
-                  <m:r>
-                    <a:rPr xmlns:a="http://schemas.openxmlformats.org/drawingml/2006/main" sz="5350" i="1">
-                      <a:solidFill>
-                        <a:srgbClr val="51A7F9"/>
-                      </a:solidFill>
-                      <a:latin typeface="Cambria Math" panose="02040503050406030204" pitchFamily="18" charset="0"/>
-                    </a:rPr>
-                    <m:t>-</m:t>
-                  </m:r>
-                  <m:f>
-                    <m:fPr>
-                      <m:ctrlPr>
-                        <a:rPr xmlns:a="http://schemas.openxmlformats.org/drawingml/2006/main" sz="5350" i="1">
-                          <a:solidFill>
-                            <a:srgbClr val="51A7F9"/>
-                          </a:solidFill>
-                          <a:latin typeface="Cambria Math" panose="02040503050406030204" pitchFamily="18" charset="0"/>
-                        </a:rPr>
-                      </m:ctrlPr>
-                      <m:type m:val="bar"/>
-                    </m:fPr>
-                    <m:num>
-                      <m:r>
-                        <a:rPr xmlns:a="http://schemas.openxmlformats.org/drawingml/2006/main" sz="5350" i="1">
-                          <a:solidFill>
-                            <a:srgbClr val="51A7F9"/>
-                          </a:solidFill>
-                          <a:latin typeface="Cambria Math" panose="02040503050406030204" pitchFamily="18" charset="0"/>
-                        </a:rPr>
-                        <m:t>d</m:t>
-                      </m:r>
-                    </m:num>
-                    <m:den>
-                      <m:r>
-                        <a:rPr xmlns:a="http://schemas.openxmlformats.org/drawingml/2006/main" sz="5350" i="1">
-                          <a:solidFill>
-                            <a:srgbClr val="51A7F9"/>
-                          </a:solidFill>
-                          <a:latin typeface="Cambria Math" panose="02040503050406030204" pitchFamily="18" charset="0"/>
-                        </a:rPr>
-                        <m:t>d</m:t>
-                      </m:r>
-                      <m:r>
-                        <a:rPr xmlns:a="http://schemas.openxmlformats.org/drawingml/2006/main" sz="5350" i="1">
-                          <a:solidFill>
-                            <a:srgbClr val="51A7F9"/>
-                          </a:solidFill>
-                          <a:latin typeface="Cambria Math" panose="02040503050406030204" pitchFamily="18" charset="0"/>
-                        </a:rPr>
-                        <m:t>x</m:t>
-                      </m:r>
-                    </m:den>
-                  </m:f>
-                  <m:r>
-                    <a:rPr xmlns:a="http://schemas.openxmlformats.org/drawingml/2006/main" sz="5350" i="1">
-                      <a:solidFill>
-                        <a:srgbClr val="51A7F9"/>
-                      </a:solidFill>
-                      <a:latin typeface="Cambria Math" panose="02040503050406030204" pitchFamily="18" charset="0"/>
-                    </a:rPr>
-                    <m:t>(</m:t>
-                  </m:r>
-                  <m:r>
-                    <a:rPr xmlns:a="http://schemas.openxmlformats.org/drawingml/2006/main" sz="5350" i="1">
-                      <a:solidFill>
-                        <a:srgbClr val="51A7F9"/>
-                      </a:solidFill>
-                      <a:latin typeface="Cambria Math" panose="02040503050406030204" pitchFamily="18" charset="0"/>
-                    </a:rPr>
-                    <m:t>x</m:t>
-                  </m:r>
-                  <m:r>
-                    <a:rPr xmlns:a="http://schemas.openxmlformats.org/drawingml/2006/main" sz="5350" i="1">
-                      <a:solidFill>
-                        <a:srgbClr val="51A7F9"/>
-                      </a:solidFill>
-                      <a:latin typeface="Cambria Math" panose="02040503050406030204" pitchFamily="18" charset="0"/>
-                    </a:rPr>
-                    <m:t>f</m:t>
-                  </m:r>
-                  <m:r>
-                    <a:rPr xmlns:a="http://schemas.openxmlformats.org/drawingml/2006/main" sz="5350" i="1">
-                      <a:solidFill>
-                        <a:srgbClr val="51A7F9"/>
-                      </a:solidFill>
-                      <a:latin typeface="Cambria Math" panose="02040503050406030204" pitchFamily="18" charset="0"/>
-                    </a:rPr>
-                    <m:t>)</m:t>
-                  </m:r>
-                  <m:r>
-                    <a:rPr xmlns:a="http://schemas.openxmlformats.org/drawingml/2006/main" sz="5350" i="1">
-                      <a:solidFill>
-                        <a:srgbClr val="51A7F9"/>
-                      </a:solidFill>
-                      <a:latin typeface="Cambria Math" panose="02040503050406030204" pitchFamily="18" charset="0"/>
-                    </a:rPr>
-                    <m:t>=</m:t>
-                  </m:r>
-                  <m:r>
-                    <a:rPr xmlns:a="http://schemas.openxmlformats.org/drawingml/2006/main" sz="5350" i="1">
-                      <a:solidFill>
-                        <a:srgbClr val="51A7F9"/>
-                      </a:solidFill>
-                      <a:latin typeface="Cambria Math" panose="02040503050406030204" pitchFamily="18" charset="0"/>
-                    </a:rPr>
-                    <m:t>x</m:t>
-                  </m:r>
-                  <m:f>
-                    <m:fPr>
-                      <m:ctrlPr>
-                        <a:rPr xmlns:a="http://schemas.openxmlformats.org/drawingml/2006/main" sz="5350" i="1">
-                          <a:solidFill>
-                            <a:srgbClr val="51A7F9"/>
-                          </a:solidFill>
-                          <a:latin typeface="Cambria Math" panose="02040503050406030204" pitchFamily="18" charset="0"/>
-                        </a:rPr>
-                      </m:ctrlPr>
-                      <m:type m:val="bar"/>
-                    </m:fPr>
-                    <m:num>
-                      <m:r>
-                        <a:rPr xmlns:a="http://schemas.openxmlformats.org/drawingml/2006/main" sz="5350" i="1">
-                          <a:solidFill>
-                            <a:srgbClr val="51A7F9"/>
-                          </a:solidFill>
-                          <a:latin typeface="Cambria Math" panose="02040503050406030204" pitchFamily="18" charset="0"/>
-                        </a:rPr>
-                        <m:t>d</m:t>
-                      </m:r>
-                      <m:r>
-                        <a:rPr xmlns:a="http://schemas.openxmlformats.org/drawingml/2006/main" sz="5350" i="1">
-                          <a:solidFill>
-                            <a:srgbClr val="51A7F9"/>
-                          </a:solidFill>
-                          <a:latin typeface="Cambria Math" panose="02040503050406030204" pitchFamily="18" charset="0"/>
-                        </a:rPr>
-                        <m:t>f</m:t>
-                      </m:r>
-                    </m:num>
-                    <m:den>
-                      <m:r>
-                        <a:rPr xmlns:a="http://schemas.openxmlformats.org/drawingml/2006/main" sz="5350" i="1">
-                          <a:solidFill>
-                            <a:srgbClr val="51A7F9"/>
-                          </a:solidFill>
-                          <a:latin typeface="Cambria Math" panose="02040503050406030204" pitchFamily="18" charset="0"/>
-                        </a:rPr>
-                        <m:t>d</m:t>
-                      </m:r>
-                      <m:r>
-                        <a:rPr xmlns:a="http://schemas.openxmlformats.org/drawingml/2006/main" sz="5350" i="1">
-                          <a:solidFill>
-                            <a:srgbClr val="51A7F9"/>
-                          </a:solidFill>
-                          <a:latin typeface="Cambria Math" panose="02040503050406030204" pitchFamily="18" charset="0"/>
-                        </a:rPr>
-                        <m:t>x</m:t>
-                      </m:r>
-                    </m:den>
-                  </m:f>
-                  <m:r>
-                    <a:rPr xmlns:a="http://schemas.openxmlformats.org/drawingml/2006/main" sz="5350" i="1">
-                      <a:solidFill>
-                        <a:srgbClr val="51A7F9"/>
-                      </a:solidFill>
-                      <a:latin typeface="Cambria Math" panose="02040503050406030204" pitchFamily="18" charset="0"/>
-                    </a:rPr>
-                    <m:t>-</m:t>
-                  </m:r>
-                  <m:r>
-                    <a:rPr xmlns:a="http://schemas.openxmlformats.org/drawingml/2006/main" sz="5350" i="1">
-                      <a:solidFill>
-                        <a:srgbClr val="51A7F9"/>
-                      </a:solidFill>
-                      <a:latin typeface="Cambria Math" panose="02040503050406030204" pitchFamily="18" charset="0"/>
-                    </a:rPr>
-                    <m:t>f</m:t>
-                  </m:r>
-                  <m:r>
-                    <a:rPr xmlns:a="http://schemas.openxmlformats.org/drawingml/2006/main" sz="5350" i="1">
-                      <a:solidFill>
-                        <a:srgbClr val="51A7F9"/>
-                      </a:solidFill>
-                      <a:latin typeface="Cambria Math" panose="02040503050406030204" pitchFamily="18" charset="0"/>
-                    </a:rPr>
-                    <m:t>-</m:t>
-                  </m:r>
-                  <m:r>
-                    <a:rPr xmlns:a="http://schemas.openxmlformats.org/drawingml/2006/main" sz="5350" i="1">
-                      <a:solidFill>
-                        <a:srgbClr val="51A7F9"/>
-                      </a:solidFill>
-                      <a:latin typeface="Cambria Math" panose="02040503050406030204" pitchFamily="18" charset="0"/>
-                    </a:rPr>
-                    <m:t>x</m:t>
-                  </m:r>
-                  <m:f>
-                    <m:fPr>
-                      <m:ctrlPr>
-                        <a:rPr xmlns:a="http://schemas.openxmlformats.org/drawingml/2006/main" sz="5350" i="1">
-                          <a:solidFill>
-                            <a:srgbClr val="51A7F9"/>
-                          </a:solidFill>
-                          <a:latin typeface="Cambria Math" panose="02040503050406030204" pitchFamily="18" charset="0"/>
-                        </a:rPr>
-                      </m:ctrlPr>
-                      <m:type m:val="bar"/>
-                    </m:fPr>
-                    <m:num>
-                      <m:r>
-                        <a:rPr xmlns:a="http://schemas.openxmlformats.org/drawingml/2006/main" sz="5350" i="1">
-                          <a:solidFill>
-                            <a:srgbClr val="51A7F9"/>
-                          </a:solidFill>
-                          <a:latin typeface="Cambria Math" panose="02040503050406030204" pitchFamily="18" charset="0"/>
-                        </a:rPr>
-                        <m:t>d</m:t>
-                      </m:r>
-                      <m:r>
-                        <a:rPr xmlns:a="http://schemas.openxmlformats.org/drawingml/2006/main" sz="5350" i="1">
-                          <a:solidFill>
-                            <a:srgbClr val="51A7F9"/>
-                          </a:solidFill>
-                          <a:latin typeface="Cambria Math" panose="02040503050406030204" pitchFamily="18" charset="0"/>
-                        </a:rPr>
-                        <m:t>f</m:t>
-                      </m:r>
-                    </m:num>
-                    <m:den>
-                      <m:r>
-                        <a:rPr xmlns:a="http://schemas.openxmlformats.org/drawingml/2006/main" sz="5350" i="1">
-                          <a:solidFill>
-                            <a:srgbClr val="51A7F9"/>
-                          </a:solidFill>
-                          <a:latin typeface="Cambria Math" panose="02040503050406030204" pitchFamily="18" charset="0"/>
-                        </a:rPr>
-                        <m:t>d</m:t>
-                      </m:r>
-                      <m:r>
-                        <a:rPr xmlns:a="http://schemas.openxmlformats.org/drawingml/2006/main" sz="5350" i="1">
-                          <a:solidFill>
-                            <a:srgbClr val="51A7F9"/>
-                          </a:solidFill>
-                          <a:latin typeface="Cambria Math" panose="02040503050406030204" pitchFamily="18" charset="0"/>
-                        </a:rPr>
-                        <m:t>x</m:t>
-                      </m:r>
-                    </m:den>
-                  </m:f>
-                  <m:r>
-                    <a:rPr xmlns:a="http://schemas.openxmlformats.org/drawingml/2006/main" sz="5350" i="1">
-                      <a:solidFill>
-                        <a:srgbClr val="51A7F9"/>
-                      </a:solidFill>
-                      <a:latin typeface="Cambria Math" panose="02040503050406030204" pitchFamily="18" charset="0"/>
-                    </a:rPr>
-                    <m:t>=</m:t>
-                  </m:r>
-                  <m:r>
-                    <a:rPr xmlns:a="http://schemas.openxmlformats.org/drawingml/2006/main" sz="5350" i="1">
-                      <a:solidFill>
-                        <a:srgbClr val="51A7F9"/>
-                      </a:solidFill>
-                      <a:latin typeface="Cambria Math" panose="02040503050406030204" pitchFamily="18" charset="0"/>
-                    </a:rPr>
-                    <m:t>-</m:t>
-                  </m:r>
-                  <m:r>
-                    <a:rPr xmlns:a="http://schemas.openxmlformats.org/drawingml/2006/main" sz="5350" i="1">
-                      <a:solidFill>
-                        <a:srgbClr val="51A7F9"/>
-                      </a:solidFill>
-                      <a:latin typeface="Cambria Math" panose="02040503050406030204" pitchFamily="18" charset="0"/>
-                    </a:rPr>
-                    <m:t>f</m:t>
-                  </m:r>
-                </m:oMath>
-              </m:oMathPara>
-            </a14:m>
-          </a:p>
-          <a:p>
-            <a:pPr lvl="1" marL="934437" indent="-543277" defTabSz="722947">
-              <a:spcBef>
-                <a:spcPts val="5100"/>
-              </a:spcBef>
-              <a:defRPr sz="4400">
-                <a:solidFill>
-                  <a:schemeClr val="accent1">
-                    <a:satOff val="-3355"/>
-                    <a:lumOff val="26614"/>
-                  </a:schemeClr>
-                </a:solidFill>
-              </a:defRPr>
-            </a:pPr>
-            <a14:m>
-              <m:oMath>
-                <m:d>
-                  <m:dPr>
-                    <m:ctrlPr>
-                      <a:rPr xmlns:a="http://schemas.openxmlformats.org/drawingml/2006/main" sz="5350" i="1">
-                        <a:solidFill>
-                          <a:srgbClr val="51A7F9"/>
-                        </a:solidFill>
-                        <a:latin typeface="Cambria Math" panose="02040503050406030204" pitchFamily="18" charset="0"/>
-                      </a:rPr>
-                    </m:ctrlPr>
-                    <m:begChr m:val="["/>
-                    <m:endChr m:val="]"/>
-                  </m:dPr>
-                  <m:e>
-                    <m:r>
-                      <a:rPr xmlns:a="http://schemas.openxmlformats.org/drawingml/2006/main" sz="5350" i="1">
-                        <a:solidFill>
-                          <a:srgbClr val="51A7F9"/>
-                        </a:solidFill>
-                        <a:latin typeface="Cambria Math" panose="02040503050406030204" pitchFamily="18" charset="0"/>
-                      </a:rPr>
-                      <m:t>x</m:t>
-                    </m:r>
-                    <m:r>
-                      <a:rPr xmlns:a="http://schemas.openxmlformats.org/drawingml/2006/main" sz="5350" i="1">
-                        <a:solidFill>
-                          <a:srgbClr val="51A7F9"/>
-                        </a:solidFill>
-                        <a:latin typeface="Cambria Math" panose="02040503050406030204" pitchFamily="18" charset="0"/>
-                      </a:rPr>
-                      <m:t>,</m:t>
-                    </m:r>
-                    <m:f>
-                      <m:fPr>
-                        <m:ctrlPr>
-                          <a:rPr xmlns:a="http://schemas.openxmlformats.org/drawingml/2006/main" sz="5350" i="1">
-                            <a:solidFill>
-                              <a:srgbClr val="51A7F9"/>
-                            </a:solidFill>
-                            <a:latin typeface="Cambria Math" panose="02040503050406030204" pitchFamily="18" charset="0"/>
-                          </a:rPr>
-                        </m:ctrlPr>
-                        <m:type m:val="bar"/>
-                      </m:fPr>
-                      <m:num>
-                        <m:r>
-                          <a:rPr xmlns:a="http://schemas.openxmlformats.org/drawingml/2006/main" sz="5350" i="1">
-                            <a:solidFill>
-                              <a:srgbClr val="51A7F9"/>
-                            </a:solidFill>
-                            <a:latin typeface="Cambria Math" panose="02040503050406030204" pitchFamily="18" charset="0"/>
-                          </a:rPr>
-                          <m:t>d</m:t>
-                        </m:r>
-                      </m:num>
-                      <m:den>
-                        <m:r>
-                          <a:rPr xmlns:a="http://schemas.openxmlformats.org/drawingml/2006/main" sz="5350" i="1">
-                            <a:solidFill>
-                              <a:srgbClr val="51A7F9"/>
-                            </a:solidFill>
-                            <a:latin typeface="Cambria Math" panose="02040503050406030204" pitchFamily="18" charset="0"/>
-                          </a:rPr>
-                          <m:t>d</m:t>
-                        </m:r>
-                        <m:r>
-                          <a:rPr xmlns:a="http://schemas.openxmlformats.org/drawingml/2006/main" sz="5350" i="1">
-                            <a:solidFill>
-                              <a:srgbClr val="51A7F9"/>
-                            </a:solidFill>
-                            <a:latin typeface="Cambria Math" panose="02040503050406030204" pitchFamily="18" charset="0"/>
-                          </a:rPr>
-                          <m:t>x</m:t>
-                        </m:r>
-                      </m:den>
-                    </m:f>
-                  </m:e>
-                </m:d>
-                <m:r>
-                  <a:rPr xmlns:a="http://schemas.openxmlformats.org/drawingml/2006/main" sz="5350" i="1">
-                    <a:solidFill>
-                      <a:srgbClr val="51A7F9"/>
-                    </a:solidFill>
-                    <a:latin typeface="Cambria Math" panose="02040503050406030204" pitchFamily="18" charset="0"/>
-                  </a:rPr>
-                  <m:t>=</m:t>
-                </m:r>
-                <m:r>
-                  <a:rPr xmlns:a="http://schemas.openxmlformats.org/drawingml/2006/main" sz="5350" i="1">
-                    <a:solidFill>
-                      <a:srgbClr val="51A7F9"/>
-                    </a:solidFill>
-                    <a:latin typeface="Cambria Math" panose="02040503050406030204" pitchFamily="18" charset="0"/>
-                  </a:rPr>
-                  <m:t>-</m:t>
-                </m:r>
-                <m:r>
-                  <a:rPr xmlns:a="http://schemas.openxmlformats.org/drawingml/2006/main" sz="5350" i="1">
-                    <a:solidFill>
-                      <a:srgbClr val="51A7F9"/>
-                    </a:solidFill>
-                    <a:latin typeface="Cambria Math" panose="02040503050406030204" pitchFamily="18" charset="0"/>
-                  </a:rPr>
-                  <m:t>1</m:t>
-                </m:r>
-              </m:oMath>
-            </a14:m>
-            <a:r>
-              <a:t>. Since this is not zero, the operators do not commute.</a:t>
-            </a:r>
-            <a:endParaRPr sz="5000">
-              <a:solidFill>
-                <a:srgbClr val="51A7F9"/>
-              </a:solidFill>
-            </a:endParaRPr>
           </a:p>
         </p:txBody>
       </p:sp>
@@ -5872,102 +5262,6 @@
                       </p:childTnLst>
                     </p:cTn>
                   </p:par>
-                  <p:par>
-                    <p:cTn id="20" fill="hold">
-                      <p:stCondLst>
-                        <p:cond delay="indefinite"/>
-                      </p:stCondLst>
-                      <p:childTnLst>
-                        <p:par>
-                          <p:cTn id="21" fill="hold">
-                            <p:stCondLst>
-                              <p:cond delay="0"/>
-                            </p:stCondLst>
-                            <p:childTnLst>
-                              <p:par>
-                                <p:cTn id="22" presetClass="entr" nodeType="clickEffect" presetSubtype="0" presetID="1" grpId="1" fill="hold">
-                                  <p:stCondLst>
-                                    <p:cond delay="0"/>
-                                  </p:stCondLst>
-                                  <p:iterate type="el" backwards="0">
-                                    <p:tmAbs val="0"/>
-                                  </p:iterate>
-                                  <p:childTnLst>
-                                    <p:set>
-                                      <p:cBhvr>
-                                        <p:cTn id="23" fill="hold"/>
-                                        <p:tgtEl>
-                                          <p:spTgt spid="216">
-                                            <p:txEl>
-                                              <p:pRg st="4" end="4"/>
-                                            </p:txEl>
-                                          </p:spTgt>
-                                        </p:tgtEl>
-                                        <p:attrNameLst>
-                                          <p:attrName>style.visibility</p:attrName>
-                                        </p:attrNameLst>
-                                      </p:cBhvr>
-                                      <p:to>
-                                        <p:strVal val="visible"/>
-                                      </p:to>
-                                    </p:set>
-                                  </p:childTnLst>
-                                </p:cTn>
-                              </p:par>
-                            </p:childTnLst>
-                          </p:cTn>
-                        </p:par>
-                      </p:childTnLst>
-                    </p:cTn>
-                  </p:par>
-                  <p:par>
-                    <p:cTn id="24" fill="hold">
-                      <p:stCondLst>
-                        <p:cond delay="indefinite"/>
-                      </p:stCondLst>
-                      <p:childTnLst>
-                        <p:par>
-                          <p:cTn id="25" fill="hold">
-                            <p:stCondLst>
-                              <p:cond delay="0"/>
-                            </p:stCondLst>
-                            <p:childTnLst>
-                              <p:par>
-                                <p:cTn id="26" presetClass="entr" nodeType="clickEffect" presetSubtype="0" presetID="1" grpId="1" fill="hold">
-                                  <p:stCondLst>
-                                    <p:cond delay="0"/>
-                                  </p:stCondLst>
-                                  <p:iterate type="el" backwards="0">
-                                    <p:tmAbs val="0"/>
-                                  </p:iterate>
-                                  <p:childTnLst>
-                                    <p:set>
-                                      <p:cBhvr>
-                                        <p:cTn id="27" fill="hold"/>
-                                        <p:tgtEl>
-                                          <p:spTgt spid="216">
-                                            <p:txEl>
-                                              <p:pRg st="5" end="5"/>
-                                            </p:txEl>
-                                          </p:spTgt>
-                                        </p:tgtEl>
-                                        <p:attrNameLst>
-                                          <p:attrName>style.visibility</p:attrName>
-                                        </p:attrNameLst>
-                                      </p:cBhvr>
-                                      <p:to>
-                                        <p:strVal val="visible"/>
-                                      </p:to>
-                                    </p:set>
-                                  </p:childTnLst>
-                                </p:cTn>
-                              </p:par>
-                            </p:childTnLst>
-                          </p:cTn>
-                        </p:par>
-                      </p:childTnLst>
-                    </p:cTn>
-                  </p:par>
                 </p:childTnLst>
               </p:cTn>
               <p:prevCondLst>
@@ -6174,17 +5468,13 @@
           <a:bodyPr/>
           <a:lstStyle/>
           <a:p>
-            <a:pPr marL="580319" indent="-580319" defTabSz="772239">
-              <a:defRPr sz="4700"/>
-            </a:pPr>
+            <a:pPr/>
             <a:r>
               <a:t>Linear operators satisfy the following criterion</a:t>
             </a:r>
           </a:p>
           <a:p>
-            <a:pPr lvl="1" marL="998149" indent="-580319" defTabSz="772239">
-              <a:defRPr sz="4700"/>
-            </a:pPr>
+            <a:pPr lvl="1"/>
             <a14:m>
               <m:oMath>
                 <m:limUpp>
@@ -6193,7 +5483,7 @@
                       <m:rPr>
                         <m:sty m:val="b"/>
                       </m:rPr>
-                      <a:rPr xmlns:a="http://schemas.openxmlformats.org/drawingml/2006/main" sz="5750" i="1">
+                      <a:rPr xmlns:a="http://schemas.openxmlformats.org/drawingml/2006/main" sz="6100" i="1">
                         <a:solidFill>
                           <a:srgbClr val="000000"/>
                         </a:solidFill>
@@ -6204,7 +5494,7 @@
                   </m:e>
                   <m:lim>
                     <m:r>
-                      <a:rPr xmlns:a="http://schemas.openxmlformats.org/drawingml/2006/main" sz="5750" i="1">
+                      <a:rPr xmlns:a="http://schemas.openxmlformats.org/drawingml/2006/main" sz="6100" i="1">
                         <a:solidFill>
                           <a:srgbClr val="000000"/>
                         </a:solidFill>
@@ -6215,7 +5505,7 @@
                   </m:lim>
                 </m:limUpp>
                 <m:r>
-                  <a:rPr xmlns:a="http://schemas.openxmlformats.org/drawingml/2006/main" sz="5750" i="1">
+                  <a:rPr xmlns:a="http://schemas.openxmlformats.org/drawingml/2006/main" sz="6100" i="1">
                     <a:solidFill>
                       <a:srgbClr val="000000"/>
                     </a:solidFill>
@@ -6224,7 +5514,7 @@
                   <m:t>(</m:t>
                 </m:r>
                 <m:r>
-                  <a:rPr xmlns:a="http://schemas.openxmlformats.org/drawingml/2006/main" sz="5750" i="1">
+                  <a:rPr xmlns:a="http://schemas.openxmlformats.org/drawingml/2006/main" sz="6100" i="1">
                     <a:solidFill>
                       <a:srgbClr val="000000"/>
                     </a:solidFill>
@@ -6233,7 +5523,7 @@
                   <m:t>a</m:t>
                 </m:r>
                 <m:r>
-                  <a:rPr xmlns:a="http://schemas.openxmlformats.org/drawingml/2006/main" sz="5750" i="1">
+                  <a:rPr xmlns:a="http://schemas.openxmlformats.org/drawingml/2006/main" sz="6100" i="1">
                     <a:solidFill>
                       <a:srgbClr val="000000"/>
                     </a:solidFill>
@@ -6242,7 +5532,7 @@
                   <m:t>f</m:t>
                 </m:r>
                 <m:r>
-                  <a:rPr xmlns:a="http://schemas.openxmlformats.org/drawingml/2006/main" sz="5750" i="1">
+                  <a:rPr xmlns:a="http://schemas.openxmlformats.org/drawingml/2006/main" sz="6100" i="1">
                     <a:solidFill>
                       <a:srgbClr val="000000"/>
                     </a:solidFill>
@@ -6251,7 +5541,7 @@
                   <m:t>)</m:t>
                 </m:r>
                 <m:r>
-                  <a:rPr xmlns:a="http://schemas.openxmlformats.org/drawingml/2006/main" sz="5750" i="1">
+                  <a:rPr xmlns:a="http://schemas.openxmlformats.org/drawingml/2006/main" sz="6100" i="1">
                     <a:solidFill>
                       <a:srgbClr val="000000"/>
                     </a:solidFill>
@@ -6260,7 +5550,7 @@
                   <m:t>=</m:t>
                 </m:r>
                 <m:r>
-                  <a:rPr xmlns:a="http://schemas.openxmlformats.org/drawingml/2006/main" sz="5750" i="1">
+                  <a:rPr xmlns:a="http://schemas.openxmlformats.org/drawingml/2006/main" sz="6100" i="1">
                     <a:solidFill>
                       <a:srgbClr val="000000"/>
                     </a:solidFill>
@@ -6274,7 +5564,7 @@
                       <m:rPr>
                         <m:sty m:val="b"/>
                       </m:rPr>
-                      <a:rPr xmlns:a="http://schemas.openxmlformats.org/drawingml/2006/main" sz="5750" i="1">
+                      <a:rPr xmlns:a="http://schemas.openxmlformats.org/drawingml/2006/main" sz="6100" i="1">
                         <a:solidFill>
                           <a:srgbClr val="000000"/>
                         </a:solidFill>
@@ -6285,7 +5575,7 @@
                   </m:e>
                   <m:lim>
                     <m:r>
-                      <a:rPr xmlns:a="http://schemas.openxmlformats.org/drawingml/2006/main" sz="5750" i="1">
+                      <a:rPr xmlns:a="http://schemas.openxmlformats.org/drawingml/2006/main" sz="6100" i="1">
                         <a:solidFill>
                           <a:srgbClr val="000000"/>
                         </a:solidFill>
@@ -6296,7 +5586,7 @@
                   </m:lim>
                 </m:limUpp>
                 <m:r>
-                  <a:rPr xmlns:a="http://schemas.openxmlformats.org/drawingml/2006/main" sz="5750" i="1">
+                  <a:rPr xmlns:a="http://schemas.openxmlformats.org/drawingml/2006/main" sz="6100" i="1">
                     <a:solidFill>
                       <a:srgbClr val="000000"/>
                     </a:solidFill>
@@ -6311,9 +5601,7 @@
             </a:r>
           </a:p>
           <a:p>
-            <a:pPr lvl="1" marL="998149" indent="-580319" defTabSz="772239">
-              <a:defRPr sz="4700"/>
-            </a:pPr>
+            <a:pPr lvl="1"/>
             <a14:m>
               <m:oMath>
                 <m:limUpp>
@@ -6322,7 +5610,7 @@
                       <m:rPr>
                         <m:sty m:val="b"/>
                       </m:rPr>
-                      <a:rPr xmlns:a="http://schemas.openxmlformats.org/drawingml/2006/main" sz="5750" i="1">
+                      <a:rPr xmlns:a="http://schemas.openxmlformats.org/drawingml/2006/main" sz="6100" i="1">
                         <a:solidFill>
                           <a:srgbClr val="000000"/>
                         </a:solidFill>
@@ -6333,7 +5621,7 @@
                   </m:e>
                   <m:lim>
                     <m:r>
-                      <a:rPr xmlns:a="http://schemas.openxmlformats.org/drawingml/2006/main" sz="5750" i="1">
+                      <a:rPr xmlns:a="http://schemas.openxmlformats.org/drawingml/2006/main" sz="6100" i="1">
                         <a:solidFill>
                           <a:srgbClr val="000000"/>
                         </a:solidFill>
@@ -6344,7 +5632,7 @@
                   </m:lim>
                 </m:limUpp>
                 <m:r>
-                  <a:rPr xmlns:a="http://schemas.openxmlformats.org/drawingml/2006/main" sz="5750" i="1">
+                  <a:rPr xmlns:a="http://schemas.openxmlformats.org/drawingml/2006/main" sz="6100" i="1">
                     <a:solidFill>
                       <a:srgbClr val="000000"/>
                     </a:solidFill>
@@ -6353,7 +5641,7 @@
                   <m:t>(</m:t>
                 </m:r>
                 <m:r>
-                  <a:rPr xmlns:a="http://schemas.openxmlformats.org/drawingml/2006/main" sz="5750" i="1">
+                  <a:rPr xmlns:a="http://schemas.openxmlformats.org/drawingml/2006/main" sz="6100" i="1">
                     <a:solidFill>
                       <a:srgbClr val="000000"/>
                     </a:solidFill>
@@ -6362,7 +5650,7 @@
                   <m:t>f</m:t>
                 </m:r>
                 <m:r>
-                  <a:rPr xmlns:a="http://schemas.openxmlformats.org/drawingml/2006/main" sz="5750" i="1">
+                  <a:rPr xmlns:a="http://schemas.openxmlformats.org/drawingml/2006/main" sz="6100" i="1">
                     <a:solidFill>
                       <a:srgbClr val="000000"/>
                     </a:solidFill>
@@ -6371,7 +5659,7 @@
                   <m:t>+</m:t>
                 </m:r>
                 <m:r>
-                  <a:rPr xmlns:a="http://schemas.openxmlformats.org/drawingml/2006/main" sz="5750" i="1">
+                  <a:rPr xmlns:a="http://schemas.openxmlformats.org/drawingml/2006/main" sz="6100" i="1">
                     <a:solidFill>
                       <a:srgbClr val="000000"/>
                     </a:solidFill>
@@ -6380,7 +5668,7 @@
                   <m:t>g</m:t>
                 </m:r>
                 <m:r>
-                  <a:rPr xmlns:a="http://schemas.openxmlformats.org/drawingml/2006/main" sz="5750" i="1">
+                  <a:rPr xmlns:a="http://schemas.openxmlformats.org/drawingml/2006/main" sz="6100" i="1">
                     <a:solidFill>
                       <a:srgbClr val="000000"/>
                     </a:solidFill>
@@ -6389,7 +5677,7 @@
                   <m:t>)</m:t>
                 </m:r>
                 <m:r>
-                  <a:rPr xmlns:a="http://schemas.openxmlformats.org/drawingml/2006/main" sz="5750" i="1">
+                  <a:rPr xmlns:a="http://schemas.openxmlformats.org/drawingml/2006/main" sz="6100" i="1">
                     <a:solidFill>
                       <a:srgbClr val="000000"/>
                     </a:solidFill>
@@ -6403,7 +5691,7 @@
                       <m:rPr>
                         <m:sty m:val="b"/>
                       </m:rPr>
-                      <a:rPr xmlns:a="http://schemas.openxmlformats.org/drawingml/2006/main" sz="5750" i="1">
+                      <a:rPr xmlns:a="http://schemas.openxmlformats.org/drawingml/2006/main" sz="6100" i="1">
                         <a:solidFill>
                           <a:srgbClr val="000000"/>
                         </a:solidFill>
@@ -6414,7 +5702,7 @@
                   </m:e>
                   <m:lim>
                     <m:r>
-                      <a:rPr xmlns:a="http://schemas.openxmlformats.org/drawingml/2006/main" sz="5750" i="1">
+                      <a:rPr xmlns:a="http://schemas.openxmlformats.org/drawingml/2006/main" sz="6100" i="1">
                         <a:solidFill>
                           <a:srgbClr val="000000"/>
                         </a:solidFill>
@@ -6425,7 +5713,7 @@
                   </m:lim>
                 </m:limUpp>
                 <m:r>
-                  <a:rPr xmlns:a="http://schemas.openxmlformats.org/drawingml/2006/main" sz="5750" i="1">
+                  <a:rPr xmlns:a="http://schemas.openxmlformats.org/drawingml/2006/main" sz="6100" i="1">
                     <a:solidFill>
                       <a:srgbClr val="000000"/>
                     </a:solidFill>
@@ -6434,7 +5722,7 @@
                   <m:t>f</m:t>
                 </m:r>
                 <m:r>
-                  <a:rPr xmlns:a="http://schemas.openxmlformats.org/drawingml/2006/main" sz="5750" i="1">
+                  <a:rPr xmlns:a="http://schemas.openxmlformats.org/drawingml/2006/main" sz="6100" i="1">
                     <a:solidFill>
                       <a:srgbClr val="000000"/>
                     </a:solidFill>
@@ -6448,7 +5736,7 @@
                       <m:rPr>
                         <m:sty m:val="b"/>
                       </m:rPr>
-                      <a:rPr xmlns:a="http://schemas.openxmlformats.org/drawingml/2006/main" sz="5750" i="1">
+                      <a:rPr xmlns:a="http://schemas.openxmlformats.org/drawingml/2006/main" sz="6100" i="1">
                         <a:solidFill>
                           <a:srgbClr val="000000"/>
                         </a:solidFill>
@@ -6459,7 +5747,7 @@
                   </m:e>
                   <m:lim>
                     <m:r>
-                      <a:rPr xmlns:a="http://schemas.openxmlformats.org/drawingml/2006/main" sz="5750" i="1">
+                      <a:rPr xmlns:a="http://schemas.openxmlformats.org/drawingml/2006/main" sz="6100" i="1">
                         <a:solidFill>
                           <a:srgbClr val="000000"/>
                         </a:solidFill>
@@ -6470,7 +5758,7 @@
                   </m:lim>
                 </m:limUpp>
                 <m:r>
-                  <a:rPr xmlns:a="http://schemas.openxmlformats.org/drawingml/2006/main" sz="5750" i="1">
+                  <a:rPr xmlns:a="http://schemas.openxmlformats.org/drawingml/2006/main" sz="6100" i="1">
                     <a:solidFill>
                       <a:srgbClr val="000000"/>
                     </a:solidFill>
@@ -6485,22 +5773,16 @@
             </a:r>
           </a:p>
           <a:p>
-            <a:pPr lvl="1" marL="998149" indent="-580319" defTabSz="772239">
-              <a:defRPr sz="4700"/>
-            </a:pPr>
-          </a:p>
-          <a:p>
-            <a:pPr marL="580319" indent="-580319" defTabSz="772239">
-              <a:defRPr sz="4700"/>
-            </a:pPr>
+            <a:pPr lvl="1"/>
+          </a:p>
+          <a:p>
+            <a:pPr/>
             <a:r>
               <a:t>Which of the following operators are linear?</a:t>
             </a:r>
           </a:p>
           <a:p>
-            <a:pPr lvl="1" marL="998149" indent="-580319" defTabSz="772239">
-              <a:defRPr sz="4700"/>
-            </a:pPr>
+            <a:pPr lvl="1"/>
             <a:r>
               <a:t>Integration, </a:t>
             </a:r>
@@ -6512,7 +5794,7 @@
                       <m:rPr>
                         <m:sty m:val="b"/>
                       </m:rPr>
-                      <a:rPr xmlns:a="http://schemas.openxmlformats.org/drawingml/2006/main" sz="5750" i="1">
+                      <a:rPr xmlns:a="http://schemas.openxmlformats.org/drawingml/2006/main" sz="6100" i="1">
                         <a:solidFill>
                           <a:srgbClr val="000000"/>
                         </a:solidFill>
@@ -6523,7 +5805,7 @@
                   </m:e>
                   <m:lim>
                     <m:r>
-                      <a:rPr xmlns:a="http://schemas.openxmlformats.org/drawingml/2006/main" sz="5750" i="1">
+                      <a:rPr xmlns:a="http://schemas.openxmlformats.org/drawingml/2006/main" sz="6100" i="1">
                         <a:solidFill>
                           <a:srgbClr val="000000"/>
                         </a:solidFill>
@@ -6534,7 +5816,7 @@
                   </m:lim>
                 </m:limUpp>
                 <m:r>
-                  <a:rPr xmlns:a="http://schemas.openxmlformats.org/drawingml/2006/main" sz="5750" i="1">
+                  <a:rPr xmlns:a="http://schemas.openxmlformats.org/drawingml/2006/main" sz="6100" i="1">
                     <a:solidFill>
                       <a:srgbClr val="000000"/>
                     </a:solidFill>
@@ -6543,7 +5825,7 @@
                   <m:t>f</m:t>
                 </m:r>
                 <m:r>
-                  <a:rPr xmlns:a="http://schemas.openxmlformats.org/drawingml/2006/main" sz="5750" i="1">
+                  <a:rPr xmlns:a="http://schemas.openxmlformats.org/drawingml/2006/main" sz="6100" i="1">
                     <a:solidFill>
                       <a:srgbClr val="000000"/>
                     </a:solidFill>
@@ -6554,7 +5836,7 @@
                 <m:sSubSup>
                   <m:e>
                     <m:r>
-                      <a:rPr xmlns:a="http://schemas.openxmlformats.org/drawingml/2006/main" sz="5750" i="1">
+                      <a:rPr xmlns:a="http://schemas.openxmlformats.org/drawingml/2006/main" sz="6100" i="1">
                         <a:solidFill>
                           <a:srgbClr val="000000"/>
                         </a:solidFill>
@@ -6565,7 +5847,7 @@
                   </m:e>
                   <m:sub>
                     <m:r>
-                      <a:rPr xmlns:a="http://schemas.openxmlformats.org/drawingml/2006/main" sz="5750" i="1">
+                      <a:rPr xmlns:a="http://schemas.openxmlformats.org/drawingml/2006/main" sz="6100" i="1">
                         <a:solidFill>
                           <a:srgbClr val="000000"/>
                         </a:solidFill>
@@ -6576,7 +5858,7 @@
                   </m:sub>
                   <m:sup>
                     <m:r>
-                      <a:rPr xmlns:a="http://schemas.openxmlformats.org/drawingml/2006/main" sz="5750" i="1">
+                      <a:rPr xmlns:a="http://schemas.openxmlformats.org/drawingml/2006/main" sz="6100" i="1">
                         <a:solidFill>
                           <a:srgbClr val="000000"/>
                         </a:solidFill>
@@ -6587,7 +5869,7 @@
                   </m:sup>
                 </m:sSubSup>
                 <m:r>
-                  <a:rPr xmlns:a="http://schemas.openxmlformats.org/drawingml/2006/main" sz="5750" i="1">
+                  <a:rPr xmlns:a="http://schemas.openxmlformats.org/drawingml/2006/main" sz="6100" i="1">
                     <a:solidFill>
                       <a:srgbClr val="000000"/>
                     </a:solidFill>
@@ -6596,7 +5878,7 @@
                   <m:t>f</m:t>
                 </m:r>
                 <m:r>
-                  <a:rPr xmlns:a="http://schemas.openxmlformats.org/drawingml/2006/main" sz="5750" i="1">
+                  <a:rPr xmlns:a="http://schemas.openxmlformats.org/drawingml/2006/main" sz="6100" i="1">
                     <a:solidFill>
                       <a:srgbClr val="000000"/>
                     </a:solidFill>
@@ -6605,7 +5887,7 @@
                   <m:t>d</m:t>
                 </m:r>
                 <m:r>
-                  <a:rPr xmlns:a="http://schemas.openxmlformats.org/drawingml/2006/main" sz="5750" i="1">
+                  <a:rPr xmlns:a="http://schemas.openxmlformats.org/drawingml/2006/main" sz="6100" i="1">
                     <a:solidFill>
                       <a:srgbClr val="000000"/>
                     </a:solidFill>
@@ -6617,9 +5899,7 @@
             </a14:m>
           </a:p>
           <a:p>
-            <a:pPr lvl="1" marL="998149" indent="-580319" defTabSz="772239">
-              <a:defRPr sz="4700"/>
-            </a:pPr>
+            <a:pPr lvl="1"/>
             <a:r>
               <a:t>Multiplication, </a:t>
             </a:r>
@@ -6631,7 +5911,7 @@
                       <m:rPr>
                         <m:sty m:val="b"/>
                       </m:rPr>
-                      <a:rPr xmlns:a="http://schemas.openxmlformats.org/drawingml/2006/main" sz="5750" i="1">
+                      <a:rPr xmlns:a="http://schemas.openxmlformats.org/drawingml/2006/main" sz="6100" i="1">
                         <a:solidFill>
                           <a:srgbClr val="000000"/>
                         </a:solidFill>
@@ -6642,7 +5922,7 @@
                   </m:e>
                   <m:lim>
                     <m:r>
-                      <a:rPr xmlns:a="http://schemas.openxmlformats.org/drawingml/2006/main" sz="5750" i="1">
+                      <a:rPr xmlns:a="http://schemas.openxmlformats.org/drawingml/2006/main" sz="6100" i="1">
                         <a:solidFill>
                           <a:srgbClr val="000000"/>
                         </a:solidFill>
@@ -6653,7 +5933,7 @@
                   </m:lim>
                 </m:limUpp>
                 <m:r>
-                  <a:rPr xmlns:a="http://schemas.openxmlformats.org/drawingml/2006/main" sz="5750" i="1">
+                  <a:rPr xmlns:a="http://schemas.openxmlformats.org/drawingml/2006/main" sz="6100" i="1">
                     <a:solidFill>
                       <a:srgbClr val="000000"/>
                     </a:solidFill>
@@ -6662,7 +5942,7 @@
                   <m:t>f</m:t>
                 </m:r>
                 <m:r>
-                  <a:rPr xmlns:a="http://schemas.openxmlformats.org/drawingml/2006/main" sz="5750" i="1">
+                  <a:rPr xmlns:a="http://schemas.openxmlformats.org/drawingml/2006/main" sz="6100" i="1">
                     <a:solidFill>
                       <a:srgbClr val="000000"/>
                     </a:solidFill>
@@ -6671,7 +5951,7 @@
                   <m:t>=</m:t>
                 </m:r>
                 <m:r>
-                  <a:rPr xmlns:a="http://schemas.openxmlformats.org/drawingml/2006/main" sz="5750" i="1">
+                  <a:rPr xmlns:a="http://schemas.openxmlformats.org/drawingml/2006/main" sz="6100" i="1">
                     <a:solidFill>
                       <a:srgbClr val="000000"/>
                     </a:solidFill>
@@ -6680,7 +5960,7 @@
                   <m:t>a</m:t>
                 </m:r>
                 <m:r>
-                  <a:rPr xmlns:a="http://schemas.openxmlformats.org/drawingml/2006/main" sz="5750" i="1">
+                  <a:rPr xmlns:a="http://schemas.openxmlformats.org/drawingml/2006/main" sz="6100" i="1">
                     <a:solidFill>
                       <a:srgbClr val="000000"/>
                     </a:solidFill>
@@ -6692,9 +5972,7 @@
             </a14:m>
           </a:p>
           <a:p>
-            <a:pPr lvl="1" marL="998149" indent="-580319" defTabSz="772239">
-              <a:defRPr sz="4700"/>
-            </a:pPr>
+            <a:pPr lvl="1"/>
             <a:r>
               <a:t>Logarithm, </a:t>
             </a:r>
@@ -6706,7 +5984,7 @@
                       <m:rPr>
                         <m:sty m:val="b"/>
                       </m:rPr>
-                      <a:rPr xmlns:a="http://schemas.openxmlformats.org/drawingml/2006/main" sz="5750" i="1">
+                      <a:rPr xmlns:a="http://schemas.openxmlformats.org/drawingml/2006/main" sz="6100" i="1">
                         <a:solidFill>
                           <a:srgbClr val="000000"/>
                         </a:solidFill>
@@ -6717,7 +5995,7 @@
                   </m:e>
                   <m:lim>
                     <m:r>
-                      <a:rPr xmlns:a="http://schemas.openxmlformats.org/drawingml/2006/main" sz="5750" i="1">
+                      <a:rPr xmlns:a="http://schemas.openxmlformats.org/drawingml/2006/main" sz="6100" i="1">
                         <a:solidFill>
                           <a:srgbClr val="000000"/>
                         </a:solidFill>
@@ -6728,7 +6006,7 @@
                   </m:lim>
                 </m:limUpp>
                 <m:r>
-                  <a:rPr xmlns:a="http://schemas.openxmlformats.org/drawingml/2006/main" sz="5750" i="1">
+                  <a:rPr xmlns:a="http://schemas.openxmlformats.org/drawingml/2006/main" sz="6100" i="1">
                     <a:solidFill>
                       <a:srgbClr val="000000"/>
                     </a:solidFill>
@@ -6737,7 +6015,7 @@
                   <m:t>f</m:t>
                 </m:r>
                 <m:r>
-                  <a:rPr xmlns:a="http://schemas.openxmlformats.org/drawingml/2006/main" sz="5750" i="1">
+                  <a:rPr xmlns:a="http://schemas.openxmlformats.org/drawingml/2006/main" sz="6100" i="1">
                     <a:solidFill>
                       <a:srgbClr val="000000"/>
                     </a:solidFill>
@@ -6749,7 +6027,7 @@
                   <m:rPr>
                     <m:sty m:val="p"/>
                   </m:rPr>
-                  <a:rPr xmlns:a="http://schemas.openxmlformats.org/drawingml/2006/main" sz="5750" i="1">
+                  <a:rPr xmlns:a="http://schemas.openxmlformats.org/drawingml/2006/main" sz="6100" i="1">
                     <a:solidFill>
                       <a:srgbClr val="000000"/>
                     </a:solidFill>
@@ -6758,7 +6036,7 @@
                   <m:t>ln</m:t>
                 </m:r>
                 <m:r>
-                  <a:rPr xmlns:a="http://schemas.openxmlformats.org/drawingml/2006/main" sz="5750" i="1">
+                  <a:rPr xmlns:a="http://schemas.openxmlformats.org/drawingml/2006/main" sz="6100" i="1">
                     <a:solidFill>
                       <a:srgbClr val="000000"/>
                     </a:solidFill>
@@ -6767,7 +6045,7 @@
                   <m:t>(</m:t>
                 </m:r>
                 <m:r>
-                  <a:rPr xmlns:a="http://schemas.openxmlformats.org/drawingml/2006/main" sz="5750" i="1">
+                  <a:rPr xmlns:a="http://schemas.openxmlformats.org/drawingml/2006/main" sz="6100" i="1">
                     <a:solidFill>
                       <a:srgbClr val="000000"/>
                     </a:solidFill>
@@ -6776,7 +6054,7 @@
                   <m:t>f</m:t>
                 </m:r>
                 <m:r>
-                  <a:rPr xmlns:a="http://schemas.openxmlformats.org/drawingml/2006/main" sz="5750" i="1">
+                  <a:rPr xmlns:a="http://schemas.openxmlformats.org/drawingml/2006/main" sz="6100" i="1">
                     <a:solidFill>
                       <a:srgbClr val="000000"/>
                     </a:solidFill>
@@ -6788,9 +6066,7 @@
             </a14:m>
           </a:p>
           <a:p>
-            <a:pPr lvl="1" marL="998149" indent="-580319" defTabSz="772239">
-              <a:defRPr sz="4700"/>
-            </a:pPr>
+            <a:pPr lvl="1"/>
             <a:r>
               <a:t>Square root, </a:t>
             </a:r>
@@ -6802,7 +6078,7 @@
                       <m:rPr>
                         <m:sty m:val="b"/>
                       </m:rPr>
-                      <a:rPr xmlns:a="http://schemas.openxmlformats.org/drawingml/2006/main" sz="5750" i="1">
+                      <a:rPr xmlns:a="http://schemas.openxmlformats.org/drawingml/2006/main" sz="6100" i="1">
                         <a:solidFill>
                           <a:srgbClr val="000000"/>
                         </a:solidFill>
@@ -6813,7 +6089,7 @@
                   </m:e>
                   <m:lim>
                     <m:r>
-                      <a:rPr xmlns:a="http://schemas.openxmlformats.org/drawingml/2006/main" sz="5750" i="1">
+                      <a:rPr xmlns:a="http://schemas.openxmlformats.org/drawingml/2006/main" sz="6100" i="1">
                         <a:solidFill>
                           <a:srgbClr val="000000"/>
                         </a:solidFill>
@@ -6824,7 +6100,7 @@
                   </m:lim>
                 </m:limUpp>
                 <m:r>
-                  <a:rPr xmlns:a="http://schemas.openxmlformats.org/drawingml/2006/main" sz="5750" i="1">
+                  <a:rPr xmlns:a="http://schemas.openxmlformats.org/drawingml/2006/main" sz="6100" i="1">
                     <a:solidFill>
                       <a:srgbClr val="000000"/>
                     </a:solidFill>
@@ -6833,7 +6109,7 @@
                   <m:t>f</m:t>
                 </m:r>
                 <m:r>
-                  <a:rPr xmlns:a="http://schemas.openxmlformats.org/drawingml/2006/main" sz="5750" i="1">
+                  <a:rPr xmlns:a="http://schemas.openxmlformats.org/drawingml/2006/main" sz="6100" i="1">
                     <a:solidFill>
                       <a:srgbClr val="000000"/>
                     </a:solidFill>
@@ -6844,7 +6120,7 @@
                 <m:rad>
                   <m:radPr>
                     <m:ctrlPr>
-                      <a:rPr xmlns:a="http://schemas.openxmlformats.org/drawingml/2006/main" sz="5750" i="1">
+                      <a:rPr xmlns:a="http://schemas.openxmlformats.org/drawingml/2006/main" sz="6100" i="1">
                         <a:solidFill>
                           <a:srgbClr val="000000"/>
                         </a:solidFill>
@@ -6856,7 +6132,7 @@
                   <m:deg/>
                   <m:e>
                     <m:r>
-                      <a:rPr xmlns:a="http://schemas.openxmlformats.org/drawingml/2006/main" sz="5750" i="1">
+                      <a:rPr xmlns:a="http://schemas.openxmlformats.org/drawingml/2006/main" sz="6100" i="1">
                         <a:solidFill>
                           <a:srgbClr val="000000"/>
                         </a:solidFill>
@@ -6868,26 +6144,6 @@
                 </m:rad>
               </m:oMath>
             </a14:m>
-          </a:p>
-          <a:p>
-            <a:pPr marL="580319" indent="-580319" defTabSz="772239">
-              <a:defRPr sz="4700"/>
-            </a:pPr>
-          </a:p>
-          <a:p>
-            <a:pPr marL="580319" indent="-580319" defTabSz="772239">
-              <a:defRPr sz="4700">
-                <a:solidFill>
-                  <a:schemeClr val="accent1">
-                    <a:satOff val="-3355"/>
-                    <a:lumOff val="26614"/>
-                  </a:schemeClr>
-                </a:solidFill>
-              </a:defRPr>
-            </a:pPr>
-            <a:r>
-              <a:t>Integration and multiplication are linear</a:t>
-            </a:r>
           </a:p>
         </p:txBody>
       </p:sp>
@@ -7263,93 +6519,6 @@
                             </p:childTnLst>
                           </p:cTn>
                         </p:par>
-                        <p:par>
-                          <p:cTn id="27" fill="hold">
-                            <p:stCondLst>
-                              <p:cond delay="0"/>
-                            </p:stCondLst>
-                            <p:childTnLst>
-                              <p:par>
-                                <p:cTn id="28" presetClass="entr" nodeType="afterEffect" presetSubtype="0" presetID="1" grpId="1" fill="hold">
-                                  <p:stCondLst>
-                                    <p:cond delay="0"/>
-                                  </p:stCondLst>
-                                  <p:iterate type="el" backwards="0">
-                                    <p:tmAbs val="0"/>
-                                  </p:iterate>
-                                  <p:childTnLst>
-                                    <p:set>
-                                      <p:cBhvr>
-                                        <p:cTn id="29" fill="hold"/>
-                                        <p:tgtEl>
-                                          <p:spTgt spid="224">
-                                            <p:txEl>
-                                              <p:pRg st="9" end="9"/>
-                                            </p:txEl>
-                                          </p:spTgt>
-                                        </p:tgtEl>
-                                        <p:attrNameLst>
-                                          <p:attrName>style.visibility</p:attrName>
-                                        </p:attrNameLst>
-                                      </p:cBhvr>
-                                      <p:to>
-                                        <p:strVal val="visible"/>
-                                      </p:to>
-                                    </p:set>
-                                  </p:childTnLst>
-                                </p:cTn>
-                              </p:par>
-                            </p:childTnLst>
-                          </p:cTn>
-                        </p:par>
-                      </p:childTnLst>
-                    </p:cTn>
-                  </p:par>
-                  <p:par>
-                    <p:cTn id="30" fill="hold">
-                      <p:stCondLst>
-                        <p:cond delay="indefinite"/>
-                      </p:stCondLst>
-                      <p:childTnLst>
-                        <p:par>
-                          <p:cTn id="31" fill="hold">
-                            <p:stCondLst>
-                              <p:cond delay="0"/>
-                            </p:stCondLst>
-                            <p:childTnLst>
-                              <p:par>
-                                <p:cTn id="32" presetClass="entr" nodeType="clickEffect" presetSubtype="0" presetID="1" grpId="1" fill="hold">
-                                  <p:stCondLst>
-                                    <p:cond delay="0"/>
-                                  </p:stCondLst>
-                                  <p:iterate type="el" backwards="0">
-                                    <p:tmAbs val="0"/>
-                                  </p:iterate>
-                                  <p:childTnLst>
-                                    <p:set>
-                                      <p:cBhvr>
-                                        <p:cTn id="33" fill="hold"/>
-                                        <p:tgtEl>
-                                          <p:spTgt spid="224">
-                                            <p:txEl>
-                                              <p:pRg st="10" end="10"/>
-                                            </p:txEl>
-                                          </p:spTgt>
-                                        </p:tgtEl>
-                                        <p:attrNameLst>
-                                          <p:attrName>style.visibility</p:attrName>
-                                        </p:attrNameLst>
-                                      </p:cBhvr>
-                                      <p:to>
-                                        <p:strVal val="visible"/>
-                                      </p:to>
-                                    </p:set>
-                                  </p:childTnLst>
-                                </p:cTn>
-                              </p:par>
-                            </p:childTnLst>
-                          </p:cTn>
-                        </p:par>
                       </p:childTnLst>
                     </p:cTn>
                   </p:par>
@@ -7884,446 +7053,6 @@
             </a:r>
           </a:p>
           <a:p>
-            <a:pPr lvl="1">
-              <a:defRPr>
-                <a:solidFill>
-                  <a:schemeClr val="accent1">
-                    <a:satOff val="-3355"/>
-                    <a:lumOff val="26614"/>
-                  </a:schemeClr>
-                </a:solidFill>
-              </a:defRPr>
-            </a:pPr>
-            <a14:m>
-              <m:oMathPara>
-                <m:oMathParaPr>
-                  <m:jc m:val="left"/>
-                </m:oMathParaPr>
-                <m:oMath>
-                  <m:limUpp>
-                    <m:e>
-                      <m:r>
-                        <m:rPr>
-                          <m:sty m:val="b"/>
-                        </m:rPr>
-                        <a:rPr xmlns:a="http://schemas.openxmlformats.org/drawingml/2006/main" sz="6100" i="1">
-                          <a:solidFill>
-                            <a:srgbClr val="51A7F9"/>
-                          </a:solidFill>
-                          <a:latin typeface="Cambria Math" panose="02040503050406030204" pitchFamily="18" charset="0"/>
-                        </a:rPr>
-                        <m:t>A</m:t>
-                      </m:r>
-                    </m:e>
-                    <m:lim>
-                      <m:r>
-                        <a:rPr xmlns:a="http://schemas.openxmlformats.org/drawingml/2006/main" sz="6100" i="1">
-                          <a:solidFill>
-                            <a:srgbClr val="51A7F9"/>
-                          </a:solidFill>
-                          <a:latin typeface="Cambria Math" panose="02040503050406030204" pitchFamily="18" charset="0"/>
-                        </a:rPr>
-                        <m:t>̂</m:t>
-                      </m:r>
-                    </m:lim>
-                  </m:limUpp>
-                  <m:r>
-                    <a:rPr xmlns:a="http://schemas.openxmlformats.org/drawingml/2006/main" sz="6100" i="1">
-                      <a:solidFill>
-                        <a:srgbClr val="51A7F9"/>
-                      </a:solidFill>
-                      <a:latin typeface="Cambria Math" panose="02040503050406030204" pitchFamily="18" charset="0"/>
-                    </a:rPr>
-                    <m:t>f</m:t>
-                  </m:r>
-                  <m:r>
-                    <a:rPr xmlns:a="http://schemas.openxmlformats.org/drawingml/2006/main" sz="6100" i="1">
-                      <a:solidFill>
-                        <a:srgbClr val="51A7F9"/>
-                      </a:solidFill>
-                      <a:latin typeface="Cambria Math" panose="02040503050406030204" pitchFamily="18" charset="0"/>
-                    </a:rPr>
-                    <m:t>=</m:t>
-                  </m:r>
-                  <m:f>
-                    <m:fPr>
-                      <m:ctrlPr>
-                        <a:rPr xmlns:a="http://schemas.openxmlformats.org/drawingml/2006/main" sz="6100" i="1">
-                          <a:solidFill>
-                            <a:srgbClr val="51A7F9"/>
-                          </a:solidFill>
-                          <a:latin typeface="Cambria Math" panose="02040503050406030204" pitchFamily="18" charset="0"/>
-                        </a:rPr>
-                      </m:ctrlPr>
-                      <m:type m:val="bar"/>
-                    </m:fPr>
-                    <m:num>
-                      <m:sSup>
-                        <m:e>
-                          <m:r>
-                            <a:rPr xmlns:a="http://schemas.openxmlformats.org/drawingml/2006/main" sz="6100" i="1">
-                              <a:solidFill>
-                                <a:srgbClr val="51A7F9"/>
-                              </a:solidFill>
-                              <a:latin typeface="Cambria Math" panose="02040503050406030204" pitchFamily="18" charset="0"/>
-                            </a:rPr>
-                            <m:t>d</m:t>
-                          </m:r>
-                        </m:e>
-                        <m:sup>
-                          <m:r>
-                            <a:rPr xmlns:a="http://schemas.openxmlformats.org/drawingml/2006/main" sz="6100" i="1">
-                              <a:solidFill>
-                                <a:srgbClr val="51A7F9"/>
-                              </a:solidFill>
-                              <a:latin typeface="Cambria Math" panose="02040503050406030204" pitchFamily="18" charset="0"/>
-                            </a:rPr>
-                            <m:t>2</m:t>
-                          </m:r>
-                        </m:sup>
-                      </m:sSup>
-                    </m:num>
-                    <m:den>
-                      <m:r>
-                        <a:rPr xmlns:a="http://schemas.openxmlformats.org/drawingml/2006/main" sz="6100" i="1">
-                          <a:solidFill>
-                            <a:srgbClr val="51A7F9"/>
-                          </a:solidFill>
-                          <a:latin typeface="Cambria Math" panose="02040503050406030204" pitchFamily="18" charset="0"/>
-                        </a:rPr>
-                        <m:t>d</m:t>
-                      </m:r>
-                      <m:sSup>
-                        <m:e>
-                          <m:r>
-                            <a:rPr xmlns:a="http://schemas.openxmlformats.org/drawingml/2006/main" sz="6100" i="1">
-                              <a:solidFill>
-                                <a:srgbClr val="51A7F9"/>
-                              </a:solidFill>
-                              <a:latin typeface="Cambria Math" panose="02040503050406030204" pitchFamily="18" charset="0"/>
-                            </a:rPr>
-                            <m:t>x</m:t>
-                          </m:r>
-                        </m:e>
-                        <m:sup>
-                          <m:r>
-                            <a:rPr xmlns:a="http://schemas.openxmlformats.org/drawingml/2006/main" sz="6100" i="1">
-                              <a:solidFill>
-                                <a:srgbClr val="51A7F9"/>
-                              </a:solidFill>
-                              <a:latin typeface="Cambria Math" panose="02040503050406030204" pitchFamily="18" charset="0"/>
-                            </a:rPr>
-                            <m:t>2</m:t>
-                          </m:r>
-                        </m:sup>
-                      </m:sSup>
-                    </m:den>
-                  </m:f>
-                  <m:r>
-                    <m:rPr>
-                      <m:sty m:val="p"/>
-                    </m:rPr>
-                    <a:rPr xmlns:a="http://schemas.openxmlformats.org/drawingml/2006/main" sz="6100" i="1">
-                      <a:solidFill>
-                        <a:srgbClr val="51A7F9"/>
-                      </a:solidFill>
-                      <a:latin typeface="Cambria Math" panose="02040503050406030204" pitchFamily="18" charset="0"/>
-                    </a:rPr>
-                    <m:t>sin</m:t>
-                  </m:r>
-                  <m:r>
-                    <a:rPr xmlns:a="http://schemas.openxmlformats.org/drawingml/2006/main" sz="6100" i="1">
-                      <a:solidFill>
-                        <a:srgbClr val="51A7F9"/>
-                      </a:solidFill>
-                      <a:latin typeface="Cambria Math" panose="02040503050406030204" pitchFamily="18" charset="0"/>
-                    </a:rPr>
-                    <m:t>(</m:t>
-                  </m:r>
-                  <m:r>
-                    <a:rPr xmlns:a="http://schemas.openxmlformats.org/drawingml/2006/main" sz="6100" i="1">
-                      <a:solidFill>
-                        <a:srgbClr val="51A7F9"/>
-                      </a:solidFill>
-                      <a:latin typeface="Cambria Math" panose="02040503050406030204" pitchFamily="18" charset="0"/>
-                    </a:rPr>
-                    <m:t>a</m:t>
-                  </m:r>
-                  <m:r>
-                    <a:rPr xmlns:a="http://schemas.openxmlformats.org/drawingml/2006/main" sz="6100" i="1">
-                      <a:solidFill>
-                        <a:srgbClr val="51A7F9"/>
-                      </a:solidFill>
-                      <a:latin typeface="Cambria Math" panose="02040503050406030204" pitchFamily="18" charset="0"/>
-                    </a:rPr>
-                    <m:t>x</m:t>
-                  </m:r>
-                  <m:r>
-                    <a:rPr xmlns:a="http://schemas.openxmlformats.org/drawingml/2006/main" sz="6100" i="1">
-                      <a:solidFill>
-                        <a:srgbClr val="51A7F9"/>
-                      </a:solidFill>
-                      <a:latin typeface="Cambria Math" panose="02040503050406030204" pitchFamily="18" charset="0"/>
-                    </a:rPr>
-                    <m:t>)</m:t>
-                  </m:r>
-                  <m:r>
-                    <a:rPr xmlns:a="http://schemas.openxmlformats.org/drawingml/2006/main" sz="6100" i="1">
-                      <a:solidFill>
-                        <a:srgbClr val="51A7F9"/>
-                      </a:solidFill>
-                      <a:latin typeface="Cambria Math" panose="02040503050406030204" pitchFamily="18" charset="0"/>
-                    </a:rPr>
-                    <m:t>=</m:t>
-                  </m:r>
-                  <m:r>
-                    <a:rPr xmlns:a="http://schemas.openxmlformats.org/drawingml/2006/main" sz="6100" i="1">
-                      <a:solidFill>
-                        <a:srgbClr val="51A7F9"/>
-                      </a:solidFill>
-                      <a:latin typeface="Cambria Math" panose="02040503050406030204" pitchFamily="18" charset="0"/>
-                    </a:rPr>
-                    <m:t>a</m:t>
-                  </m:r>
-                  <m:f>
-                    <m:fPr>
-                      <m:ctrlPr>
-                        <a:rPr xmlns:a="http://schemas.openxmlformats.org/drawingml/2006/main" sz="6100" i="1">
-                          <a:solidFill>
-                            <a:srgbClr val="51A7F9"/>
-                          </a:solidFill>
-                          <a:latin typeface="Cambria Math" panose="02040503050406030204" pitchFamily="18" charset="0"/>
-                        </a:rPr>
-                      </m:ctrlPr>
-                      <m:type m:val="bar"/>
-                    </m:fPr>
-                    <m:num>
-                      <m:r>
-                        <a:rPr xmlns:a="http://schemas.openxmlformats.org/drawingml/2006/main" sz="6100" i="1">
-                          <a:solidFill>
-                            <a:srgbClr val="51A7F9"/>
-                          </a:solidFill>
-                          <a:latin typeface="Cambria Math" panose="02040503050406030204" pitchFamily="18" charset="0"/>
-                        </a:rPr>
-                        <m:t>d</m:t>
-                      </m:r>
-                    </m:num>
-                    <m:den>
-                      <m:r>
-                        <a:rPr xmlns:a="http://schemas.openxmlformats.org/drawingml/2006/main" sz="6100" i="1">
-                          <a:solidFill>
-                            <a:srgbClr val="51A7F9"/>
-                          </a:solidFill>
-                          <a:latin typeface="Cambria Math" panose="02040503050406030204" pitchFamily="18" charset="0"/>
-                        </a:rPr>
-                        <m:t>d</m:t>
-                      </m:r>
-                      <m:r>
-                        <a:rPr xmlns:a="http://schemas.openxmlformats.org/drawingml/2006/main" sz="6100" i="1">
-                          <a:solidFill>
-                            <a:srgbClr val="51A7F9"/>
-                          </a:solidFill>
-                          <a:latin typeface="Cambria Math" panose="02040503050406030204" pitchFamily="18" charset="0"/>
-                        </a:rPr>
-                        <m:t>x</m:t>
-                      </m:r>
-                    </m:den>
-                  </m:f>
-                  <m:r>
-                    <m:rPr>
-                      <m:sty m:val="p"/>
-                    </m:rPr>
-                    <a:rPr xmlns:a="http://schemas.openxmlformats.org/drawingml/2006/main" sz="6100" i="1">
-                      <a:solidFill>
-                        <a:srgbClr val="51A7F9"/>
-                      </a:solidFill>
-                      <a:latin typeface="Cambria Math" panose="02040503050406030204" pitchFamily="18" charset="0"/>
-                    </a:rPr>
-                    <m:t>cos</m:t>
-                  </m:r>
-                  <m:r>
-                    <a:rPr xmlns:a="http://schemas.openxmlformats.org/drawingml/2006/main" sz="6100" i="1">
-                      <a:solidFill>
-                        <a:srgbClr val="51A7F9"/>
-                      </a:solidFill>
-                      <a:latin typeface="Cambria Math" panose="02040503050406030204" pitchFamily="18" charset="0"/>
-                    </a:rPr>
-                    <m:t>(</m:t>
-                  </m:r>
-                  <m:r>
-                    <a:rPr xmlns:a="http://schemas.openxmlformats.org/drawingml/2006/main" sz="6100" i="1">
-                      <a:solidFill>
-                        <a:srgbClr val="51A7F9"/>
-                      </a:solidFill>
-                      <a:latin typeface="Cambria Math" panose="02040503050406030204" pitchFamily="18" charset="0"/>
-                    </a:rPr>
-                    <m:t>a</m:t>
-                  </m:r>
-                  <m:r>
-                    <a:rPr xmlns:a="http://schemas.openxmlformats.org/drawingml/2006/main" sz="6100" i="1">
-                      <a:solidFill>
-                        <a:srgbClr val="51A7F9"/>
-                      </a:solidFill>
-                      <a:latin typeface="Cambria Math" panose="02040503050406030204" pitchFamily="18" charset="0"/>
-                    </a:rPr>
-                    <m:t>x</m:t>
-                  </m:r>
-                  <m:r>
-                    <a:rPr xmlns:a="http://schemas.openxmlformats.org/drawingml/2006/main" sz="6100" i="1">
-                      <a:solidFill>
-                        <a:srgbClr val="51A7F9"/>
-                      </a:solidFill>
-                      <a:latin typeface="Cambria Math" panose="02040503050406030204" pitchFamily="18" charset="0"/>
-                    </a:rPr>
-                    <m:t>)</m:t>
-                  </m:r>
-                  <m:r>
-                    <a:rPr xmlns:a="http://schemas.openxmlformats.org/drawingml/2006/main" sz="6100" i="1">
-                      <a:solidFill>
-                        <a:srgbClr val="51A7F9"/>
-                      </a:solidFill>
-                      <a:latin typeface="Cambria Math" panose="02040503050406030204" pitchFamily="18" charset="0"/>
-                    </a:rPr>
-                    <m:t>=</m:t>
-                  </m:r>
-                  <m:r>
-                    <a:rPr xmlns:a="http://schemas.openxmlformats.org/drawingml/2006/main" sz="6100" i="1">
-                      <a:solidFill>
-                        <a:srgbClr val="51A7F9"/>
-                      </a:solidFill>
-                      <a:latin typeface="Cambria Math" panose="02040503050406030204" pitchFamily="18" charset="0"/>
-                    </a:rPr>
-                    <m:t>-</m:t>
-                  </m:r>
-                  <m:sSup>
-                    <m:e>
-                      <m:r>
-                        <a:rPr xmlns:a="http://schemas.openxmlformats.org/drawingml/2006/main" sz="6100" i="1">
-                          <a:solidFill>
-                            <a:srgbClr val="51A7F9"/>
-                          </a:solidFill>
-                          <a:latin typeface="Cambria Math" panose="02040503050406030204" pitchFamily="18" charset="0"/>
-                        </a:rPr>
-                        <m:t>a</m:t>
-                      </m:r>
-                    </m:e>
-                    <m:sup>
-                      <m:r>
-                        <a:rPr xmlns:a="http://schemas.openxmlformats.org/drawingml/2006/main" sz="6100" i="1">
-                          <a:solidFill>
-                            <a:srgbClr val="51A7F9"/>
-                          </a:solidFill>
-                          <a:latin typeface="Cambria Math" panose="02040503050406030204" pitchFamily="18" charset="0"/>
-                        </a:rPr>
-                        <m:t>2</m:t>
-                      </m:r>
-                    </m:sup>
-                  </m:sSup>
-                  <m:r>
-                    <m:rPr>
-                      <m:sty m:val="p"/>
-                    </m:rPr>
-                    <a:rPr xmlns:a="http://schemas.openxmlformats.org/drawingml/2006/main" sz="6100" i="1">
-                      <a:solidFill>
-                        <a:srgbClr val="51A7F9"/>
-                      </a:solidFill>
-                      <a:latin typeface="Cambria Math" panose="02040503050406030204" pitchFamily="18" charset="0"/>
-                    </a:rPr>
-                    <m:t>sin</m:t>
-                  </m:r>
-                  <m:r>
-                    <a:rPr xmlns:a="http://schemas.openxmlformats.org/drawingml/2006/main" sz="6100" i="1">
-                      <a:solidFill>
-                        <a:srgbClr val="51A7F9"/>
-                      </a:solidFill>
-                      <a:latin typeface="Cambria Math" panose="02040503050406030204" pitchFamily="18" charset="0"/>
-                    </a:rPr>
-                    <m:t>(</m:t>
-                  </m:r>
-                  <m:r>
-                    <a:rPr xmlns:a="http://schemas.openxmlformats.org/drawingml/2006/main" sz="6100" i="1">
-                      <a:solidFill>
-                        <a:srgbClr val="51A7F9"/>
-                      </a:solidFill>
-                      <a:latin typeface="Cambria Math" panose="02040503050406030204" pitchFamily="18" charset="0"/>
-                    </a:rPr>
-                    <m:t>a</m:t>
-                  </m:r>
-                  <m:r>
-                    <a:rPr xmlns:a="http://schemas.openxmlformats.org/drawingml/2006/main" sz="6100" i="1">
-                      <a:solidFill>
-                        <a:srgbClr val="51A7F9"/>
-                      </a:solidFill>
-                      <a:latin typeface="Cambria Math" panose="02040503050406030204" pitchFamily="18" charset="0"/>
-                    </a:rPr>
-                    <m:t>x</m:t>
-                  </m:r>
-                  <m:r>
-                    <a:rPr xmlns:a="http://schemas.openxmlformats.org/drawingml/2006/main" sz="6100" i="1">
-                      <a:solidFill>
-                        <a:srgbClr val="51A7F9"/>
-                      </a:solidFill>
-                      <a:latin typeface="Cambria Math" panose="02040503050406030204" pitchFamily="18" charset="0"/>
-                    </a:rPr>
-                    <m:t>)</m:t>
-                  </m:r>
-                </m:oMath>
-              </m:oMathPara>
-            </a14:m>
-          </a:p>
-          <a:p>
-            <a:pPr lvl="1">
-              <a:defRPr>
-                <a:solidFill>
-                  <a:schemeClr val="accent1">
-                    <a:satOff val="-3355"/>
-                    <a:lumOff val="26614"/>
-                  </a:schemeClr>
-                </a:solidFill>
-              </a:defRPr>
-            </a:pPr>
-            <a:r>
-              <a:t>The eigenvalue is </a:t>
-            </a:r>
-            <a14:m>
-              <m:oMath>
-                <m:r>
-                  <a:rPr xmlns:a="http://schemas.openxmlformats.org/drawingml/2006/main" sz="6100" i="1">
-                    <a:solidFill>
-                      <a:srgbClr val="51A7F9"/>
-                    </a:solidFill>
-                    <a:latin typeface="Cambria Math" panose="02040503050406030204" pitchFamily="18" charset="0"/>
-                  </a:rPr>
-                  <m:t>-</m:t>
-                </m:r>
-                <m:sSup>
-                  <m:e>
-                    <m:r>
-                      <a:rPr xmlns:a="http://schemas.openxmlformats.org/drawingml/2006/main" sz="6100" i="1">
-                        <a:solidFill>
-                          <a:srgbClr val="51A7F9"/>
-                        </a:solidFill>
-                        <a:latin typeface="Cambria Math" panose="02040503050406030204" pitchFamily="18" charset="0"/>
-                      </a:rPr>
-                      <m:t>a</m:t>
-                    </m:r>
-                  </m:e>
-                  <m:sup>
-                    <m:r>
-                      <a:rPr xmlns:a="http://schemas.openxmlformats.org/drawingml/2006/main" sz="6100" i="1">
-                        <a:solidFill>
-                          <a:srgbClr val="51A7F9"/>
-                        </a:solidFill>
-                        <a:latin typeface="Cambria Math" panose="02040503050406030204" pitchFamily="18" charset="0"/>
-                      </a:rPr>
-                      <m:t>2</m:t>
-                    </m:r>
-                  </m:sup>
-                </m:sSup>
-              </m:oMath>
-            </a14:m>
-          </a:p>
-          <a:p>
             <a:pPr/>
             <a:r>
               <a:t>Is </a:t>
@@ -8505,21 +7234,6 @@
             </a14:m>
             <a:r>
               <a:t>?</a:t>
-            </a:r>
-          </a:p>
-          <a:p>
-            <a:pPr lvl="1">
-              <a:defRPr>
-                <a:solidFill>
-                  <a:schemeClr val="accent1">
-                    <a:satOff val="-3355"/>
-                    <a:lumOff val="26614"/>
-                  </a:schemeClr>
-                </a:solidFill>
-              </a:defRPr>
-            </a:pPr>
-            <a:r>
-              <a:t>No, the function changes upon applying the operator</a:t>
             </a:r>
           </a:p>
         </p:txBody>
@@ -8782,141 +7496,6 @@
                             </p:childTnLst>
                           </p:cTn>
                         </p:par>
-                        <p:par>
-                          <p:cTn id="21" fill="hold">
-                            <p:stCondLst>
-                              <p:cond delay="0"/>
-                            </p:stCondLst>
-                            <p:childTnLst>
-                              <p:par>
-                                <p:cTn id="22" presetClass="entr" nodeType="afterEffect" presetSubtype="0" presetID="1" grpId="1" fill="hold">
-                                  <p:stCondLst>
-                                    <p:cond delay="0"/>
-                                  </p:stCondLst>
-                                  <p:iterate type="el" backwards="0">
-                                    <p:tmAbs val="0"/>
-                                  </p:iterate>
-                                  <p:childTnLst>
-                                    <p:set>
-                                      <p:cBhvr>
-                                        <p:cTn id="23" fill="hold"/>
-                                        <p:tgtEl>
-                                          <p:spTgt spid="232">
-                                            <p:txEl>
-                                              <p:pRg st="4" end="4"/>
-                                            </p:txEl>
-                                          </p:spTgt>
-                                        </p:tgtEl>
-                                        <p:attrNameLst>
-                                          <p:attrName>style.visibility</p:attrName>
-                                        </p:attrNameLst>
-                                      </p:cBhvr>
-                                      <p:to>
-                                        <p:strVal val="visible"/>
-                                      </p:to>
-                                    </p:set>
-                                  </p:childTnLst>
-                                </p:cTn>
-                              </p:par>
-                            </p:childTnLst>
-                          </p:cTn>
-                        </p:par>
-                      </p:childTnLst>
-                    </p:cTn>
-                  </p:par>
-                  <p:par>
-                    <p:cTn id="24" fill="hold">
-                      <p:stCondLst>
-                        <p:cond delay="indefinite"/>
-                      </p:stCondLst>
-                      <p:childTnLst>
-                        <p:par>
-                          <p:cTn id="25" fill="hold">
-                            <p:stCondLst>
-                              <p:cond delay="0"/>
-                            </p:stCondLst>
-                            <p:childTnLst>
-                              <p:par>
-                                <p:cTn id="26" presetClass="entr" nodeType="clickEffect" presetSubtype="0" presetID="1" grpId="1" fill="hold">
-                                  <p:stCondLst>
-                                    <p:cond delay="0"/>
-                                  </p:stCondLst>
-                                  <p:iterate type="el" backwards="0">
-                                    <p:tmAbs val="0"/>
-                                  </p:iterate>
-                                  <p:childTnLst>
-                                    <p:set>
-                                      <p:cBhvr>
-                                        <p:cTn id="27" fill="hold"/>
-                                        <p:tgtEl>
-                                          <p:spTgt spid="232">
-                                            <p:txEl>
-                                              <p:pRg st="5" end="5"/>
-                                            </p:txEl>
-                                          </p:spTgt>
-                                        </p:tgtEl>
-                                        <p:attrNameLst>
-                                          <p:attrName>style.visibility</p:attrName>
-                                        </p:attrNameLst>
-                                      </p:cBhvr>
-                                      <p:to>
-                                        <p:strVal val="visible"/>
-                                      </p:to>
-                                    </p:set>
-                                  </p:childTnLst>
-                                </p:cTn>
-                              </p:par>
-                            </p:childTnLst>
-                          </p:cTn>
-                        </p:par>
-                      </p:childTnLst>
-                    </p:cTn>
-                  </p:par>
-                  <p:par>
-                    <p:cTn id="28" fill="hold">
-                      <p:stCondLst>
-                        <p:cond delay="indefinite"/>
-                      </p:stCondLst>
-                      <p:childTnLst>
-                        <p:par>
-                          <p:cTn id="29" fill="hold">
-                            <p:stCondLst>
-                              <p:cond delay="0"/>
-                            </p:stCondLst>
-                            <p:childTnLst>
-                              <p:par>
-                                <p:cTn id="30" presetClass="entr" nodeType="clickEffect" presetSubtype="0" presetID="1" grpId="1" fill="hold">
-                                  <p:stCondLst>
-                                    <p:cond delay="0"/>
-                                  </p:stCondLst>
-                                  <p:iterate type="el" backwards="0">
-                                    <p:tmAbs val="0"/>
-                                  </p:iterate>
-                                  <p:childTnLst>
-                                    <p:set>
-                                      <p:cBhvr>
-                                        <p:cTn id="31" fill="hold"/>
-                                        <p:tgtEl>
-                                          <p:spTgt spid="232">
-                                            <p:txEl>
-                                              <p:pRg st="6" end="6"/>
-                                            </p:txEl>
-                                          </p:spTgt>
-                                        </p:tgtEl>
-                                        <p:attrNameLst>
-                                          <p:attrName>style.visibility</p:attrName>
-                                        </p:attrNameLst>
-                                      </p:cBhvr>
-                                      <p:to>
-                                        <p:strVal val="visible"/>
-                                      </p:to>
-                                    </p:set>
-                                  </p:childTnLst>
-                                </p:cTn>
-                              </p:par>
-                            </p:childTnLst>
-                          </p:cTn>
-                        </p:par>
                       </p:childTnLst>
                     </p:cTn>
                   </p:par>
@@ -8991,7 +7570,7 @@
       </p:sp>
       <p:sp>
         <p:nvSpPr>
-          <p:cNvPr id="236" name="Which of the following are eigenfunctions of  ? For the eigenfunctions, what are the eigenvalues?…"/>
+          <p:cNvPr id="236" name="Which of the following are eigenfunctions of  ? For the eigenfunctions, what are the eigenvalues?"/>
           <p:cNvSpPr txBox="1"/>
           <p:nvPr>
             <p:ph type="body" idx="1"/>
@@ -9376,84 +7955,6 @@
                 </m:oMath>
               </m:oMathPara>
             </a14:m>
-          </a:p>
-          <a:p>
-            <a:pPr>
-              <a:defRPr>
-                <a:solidFill>
-                  <a:schemeClr val="accent1">
-                    <a:satOff val="-3355"/>
-                    <a:lumOff val="26614"/>
-                  </a:schemeClr>
-                </a:solidFill>
-              </a:defRPr>
-            </a:pPr>
-            <a:r>
-              <a:t>The only eigenfunction is </a:t>
-            </a:r>
-            <a14:m>
-              <m:oMath>
-                <m:r>
-                  <a:rPr xmlns:a="http://schemas.openxmlformats.org/drawingml/2006/main" sz="6100" i="1">
-                    <a:solidFill>
-                      <a:srgbClr val="51A7F9"/>
-                    </a:solidFill>
-                    <a:latin typeface="Cambria Math" panose="02040503050406030204" pitchFamily="18" charset="0"/>
-                  </a:rPr>
-                  <m:t>f</m:t>
-                </m:r>
-                <m:r>
-                  <a:rPr xmlns:a="http://schemas.openxmlformats.org/drawingml/2006/main" sz="6100" i="1">
-                    <a:solidFill>
-                      <a:srgbClr val="51A7F9"/>
-                    </a:solidFill>
-                    <a:latin typeface="Cambria Math" panose="02040503050406030204" pitchFamily="18" charset="0"/>
-                  </a:rPr>
-                  <m:t>=</m:t>
-                </m:r>
-                <m:sSup>
-                  <m:e>
-                    <m:r>
-                      <a:rPr xmlns:a="http://schemas.openxmlformats.org/drawingml/2006/main" sz="6100" i="1">
-                        <a:solidFill>
-                          <a:srgbClr val="51A7F9"/>
-                        </a:solidFill>
-                        <a:latin typeface="Cambria Math" panose="02040503050406030204" pitchFamily="18" charset="0"/>
-                      </a:rPr>
-                      <m:t>e</m:t>
-                    </m:r>
-                  </m:e>
-                  <m:sup>
-                    <m:r>
-                      <a:rPr xmlns:a="http://schemas.openxmlformats.org/drawingml/2006/main" sz="6100" i="1">
-                        <a:solidFill>
-                          <a:srgbClr val="51A7F9"/>
-                        </a:solidFill>
-                        <a:latin typeface="Cambria Math" panose="02040503050406030204" pitchFamily="18" charset="0"/>
-                      </a:rPr>
-                      <m:t>4</m:t>
-                    </m:r>
-                    <m:r>
-                      <a:rPr xmlns:a="http://schemas.openxmlformats.org/drawingml/2006/main" sz="6100" i="1">
-                        <a:solidFill>
-                          <a:srgbClr val="51A7F9"/>
-                        </a:solidFill>
-                        <a:latin typeface="Cambria Math" panose="02040503050406030204" pitchFamily="18" charset="0"/>
-                      </a:rPr>
-                      <m:t>x</m:t>
-                    </m:r>
-                  </m:sup>
-                </m:sSup>
-              </m:oMath>
-            </a14:m>
-            <a:r>
-              <a:t>. Its eigenvalue is 4.</a:t>
-            </a:r>
-            <a:endParaRPr>
-              <a:solidFill>
-                <a:srgbClr val="51A7F9"/>
-              </a:solidFill>
-            </a:endParaRPr>
           </a:p>
         </p:txBody>
       </p:sp>
@@ -9694,54 +8195,6 @@
                       </p:childTnLst>
                     </p:cTn>
                   </p:par>
-                  <p:par>
-                    <p:cTn id="17" fill="hold">
-                      <p:stCondLst>
-                        <p:cond delay="indefinite"/>
-                      </p:stCondLst>
-                      <p:childTnLst>
-                        <p:par>
-                          <p:cTn id="18" fill="hold">
-                            <p:stCondLst>
-                              <p:cond delay="0"/>
-                            </p:stCondLst>
-                            <p:childTnLst>
-                              <p:par>
-                                <p:cTn id="19" presetClass="entr" nodeType="clickEffect" presetSubtype="0" presetID="1" grpId="1" fill="hold">
-                                  <p:stCondLst>
-                                    <p:cond delay="0"/>
-                                  </p:stCondLst>
-                                  <p:iterate type="el" backwards="0">
-                                    <p:tmAbs val="0"/>
-                                  </p:iterate>
-                                  <p:childTnLst>
-                                    <p:set>
-                                      <p:cBhvr>
-                                        <p:cTn id="20" fill="hold"/>
-                                        <p:tgtEl>
-                                          <p:spTgt spid="236">
-                                            <p:txEl>
-                                              <p:pRg st="5" end="5"/>
-                                            </p:txEl>
-                                          </p:spTgt>
-                                        </p:tgtEl>
-                                        <p:attrNameLst>
-                                          <p:attrName>style.visibility</p:attrName>
-                                        </p:attrNameLst>
-                                      </p:cBhvr>
-                                      <p:to>
-                                        <p:strVal val="visible"/>
-                                      </p:to>
-                                    </p:set>
-                                  </p:childTnLst>
-                                </p:cTn>
-                              </p:par>
-                            </p:childTnLst>
-                          </p:cTn>
-                        </p:par>
-                      </p:childTnLst>
-                    </p:cTn>
-                  </p:par>
                 </p:childTnLst>
               </p:cTn>
               <p:prevCondLst>
@@ -9992,101 +8445,6 @@
             <a:r>
               <a:t>?</a:t>
             </a:r>
-          </a:p>
-          <a:p>
-            <a:pPr lvl="1">
-              <a:defRPr>
-                <a:solidFill>
-                  <a:schemeClr val="accent1">
-                    <a:satOff val="-3355"/>
-                    <a:lumOff val="26614"/>
-                  </a:schemeClr>
-                </a:solidFill>
-              </a:defRPr>
-            </a:pPr>
-            <a14:m>
-              <m:oMathPara>
-                <m:oMathParaPr>
-                  <m:jc m:val="left"/>
-                </m:oMathParaPr>
-                <m:oMath>
-                  <m:sSup>
-                    <m:e>
-                      <m:r>
-                        <a:rPr xmlns:a="http://schemas.openxmlformats.org/drawingml/2006/main" sz="6100" i="1">
-                          <a:solidFill>
-                            <a:srgbClr val="51A7F9"/>
-                          </a:solidFill>
-                          <a:latin typeface="Cambria Math" panose="02040503050406030204" pitchFamily="18" charset="0"/>
-                        </a:rPr>
-                        <m:t>f</m:t>
-                      </m:r>
-                    </m:e>
-                    <m:sup>
-                      <m:r>
-                        <a:rPr xmlns:a="http://schemas.openxmlformats.org/drawingml/2006/main" sz="6100" i="1">
-                          <a:solidFill>
-                            <a:srgbClr val="51A7F9"/>
-                          </a:solidFill>
-                          <a:latin typeface="Cambria Math" panose="02040503050406030204" pitchFamily="18" charset="0"/>
-                        </a:rPr>
-                        <m:t>*</m:t>
-                      </m:r>
-                    </m:sup>
-                  </m:sSup>
-                  <m:r>
-                    <a:rPr xmlns:a="http://schemas.openxmlformats.org/drawingml/2006/main" sz="6100" i="1">
-                      <a:solidFill>
-                        <a:srgbClr val="51A7F9"/>
-                      </a:solidFill>
-                      <a:latin typeface="Cambria Math" panose="02040503050406030204" pitchFamily="18" charset="0"/>
-                    </a:rPr>
-                    <m:t>=</m:t>
-                  </m:r>
-                  <m:r>
-                    <a:rPr xmlns:a="http://schemas.openxmlformats.org/drawingml/2006/main" sz="6100" i="1">
-                      <a:solidFill>
-                        <a:srgbClr val="51A7F9"/>
-                      </a:solidFill>
-                      <a:latin typeface="Cambria Math" panose="02040503050406030204" pitchFamily="18" charset="0"/>
-                    </a:rPr>
-                    <m:t>3</m:t>
-                  </m:r>
-                  <m:r>
-                    <a:rPr xmlns:a="http://schemas.openxmlformats.org/drawingml/2006/main" sz="6100" i="1">
-                      <a:solidFill>
-                        <a:srgbClr val="51A7F9"/>
-                      </a:solidFill>
-                      <a:latin typeface="Cambria Math" panose="02040503050406030204" pitchFamily="18" charset="0"/>
-                    </a:rPr>
-                    <m:t>-</m:t>
-                  </m:r>
-                  <m:r>
-                    <a:rPr xmlns:a="http://schemas.openxmlformats.org/drawingml/2006/main" sz="6100" i="1">
-                      <a:solidFill>
-                        <a:srgbClr val="51A7F9"/>
-                      </a:solidFill>
-                      <a:latin typeface="Cambria Math" panose="02040503050406030204" pitchFamily="18" charset="0"/>
-                    </a:rPr>
-                    <m:t>9</m:t>
-                  </m:r>
-                  <m:r>
-                    <a:rPr xmlns:a="http://schemas.openxmlformats.org/drawingml/2006/main" sz="6100" i="1">
-                      <a:solidFill>
-                        <a:srgbClr val="51A7F9"/>
-                      </a:solidFill>
-                      <a:latin typeface="Cambria Math" panose="02040503050406030204" pitchFamily="18" charset="0"/>
-                    </a:rPr>
-                    <m:t>i</m:t>
-                  </m:r>
-                </m:oMath>
-              </m:oMathPara>
-            </a14:m>
-            <a:endParaRPr>
-              <a:solidFill>
-                <a:srgbClr val="51A7F9"/>
-              </a:solidFill>
-            </a:endParaRPr>
           </a:p>
         </p:txBody>
       </p:sp>
@@ -10343,36 +8701,6 @@
                                           <p:spTgt spid="240">
                                             <p:txEl>
                                               <p:pRg st="4" end="4"/>
-                                            </p:txEl>
-                                          </p:spTgt>
-                                        </p:tgtEl>
-                                        <p:attrNameLst>
-                                          <p:attrName>style.visibility</p:attrName>
-                                        </p:attrNameLst>
-                                      </p:cBhvr>
-                                      <p:to>
-                                        <p:strVal val="visible"/>
-                                      </p:to>
-                                    </p:set>
-                                  </p:childTnLst>
-                                </p:cTn>
-                              </p:par>
-                              <p:par>
-                                <p:cTn id="21" presetClass="entr" nodeType="withEffect" presetSubtype="0" presetID="1" grpId="1" fill="hold">
-                                  <p:stCondLst>
-                                    <p:cond delay="0"/>
-                                  </p:stCondLst>
-                                  <p:iterate type="el" backwards="0">
-                                    <p:tmAbs val="0"/>
-                                  </p:iterate>
-                                  <p:childTnLst>
-                                    <p:set>
-                                      <p:cBhvr>
-                                        <p:cTn id="22" fill="hold"/>
-                                        <p:tgtEl>
-                                          <p:spTgt spid="240">
-                                            <p:txEl>
-                                              <p:pRg st="5" end="5"/>
                                             </p:txEl>
                                           </p:spTgt>
                                         </p:tgtEl>
@@ -12315,491 +10643,12 @@
           </a:p>
         </p:txBody>
       </p:sp>
-      <p:grpSp>
-        <p:nvGrpSpPr>
-          <p:cNvPr id="253" name="Group"/>
-          <p:cNvGrpSpPr/>
-          <p:nvPr/>
-        </p:nvGrpSpPr>
-        <p:grpSpPr>
-          <a:xfrm>
-            <a:off x="6159500" y="6721740"/>
-            <a:ext cx="4008371" cy="4276623"/>
-            <a:chOff x="0" y="0"/>
-            <a:chExt cx="4008370" cy="4276622"/>
-          </a:xfrm>
-        </p:grpSpPr>
-        <p:sp>
-          <p:nvSpPr>
-            <p:cNvPr id="250" name="Equation"/>
-            <p:cNvSpPr txBox="1"/>
-            <p:nvPr/>
-          </p:nvSpPr>
-          <p:spPr>
-            <a:xfrm>
-              <a:off x="0" y="0"/>
-              <a:ext cx="3246262" cy="781050"/>
-            </a:xfrm>
-            <a:prstGeom prst="rect">
-              <a:avLst/>
-            </a:prstGeom>
-            <a:noFill/>
-            <a:ln w="12700" cap="flat">
-              <a:noFill/>
-              <a:miter lim="400000"/>
-            </a:ln>
-            <a:effectLst/>
-          </p:spPr>
-          <p:txBody>
-            <a:bodyPr wrap="none" lIns="0" tIns="0" rIns="0" bIns="0">
-              <a:spAutoFit/>
-            </a:bodyPr>
-            <a:lstStyle/>
-            <a:p>
-              <a:pPr algn="l" defTabSz="914400" latinLnBrk="1">
-                <a:defRPr sz="1800"/>
-              </a:pPr>
-              <a14:m>
-                <m:oMathPara>
-                  <m:oMathParaPr>
-                    <m:jc m:val="centerGroup"/>
-                  </m:oMathParaPr>
-                  <m:oMath>
-                    <m:r>
-                      <a:rPr xmlns:a="http://schemas.openxmlformats.org/drawingml/2006/main" sz="5000" i="1">
-                        <a:solidFill>
-                          <a:srgbClr val="51A7F9"/>
-                        </a:solidFill>
-                        <a:latin typeface="Cambria Math" panose="02040503050406030204" pitchFamily="18" charset="0"/>
-                      </a:rPr>
-                      <m:t>=</m:t>
-                    </m:r>
-                    <m:r>
-                      <a:rPr xmlns:a="http://schemas.openxmlformats.org/drawingml/2006/main" sz="5000" i="1">
-                        <a:solidFill>
-                          <a:srgbClr val="51A7F9"/>
-                        </a:solidFill>
-                        <a:latin typeface="Cambria Math" panose="02040503050406030204" pitchFamily="18" charset="0"/>
-                      </a:rPr>
-                      <m:t>⟨</m:t>
-                    </m:r>
-                    <m:r>
-                      <a:rPr xmlns:a="http://schemas.openxmlformats.org/drawingml/2006/main" sz="5000" i="1">
-                        <a:solidFill>
-                          <a:srgbClr val="51A7F9"/>
-                        </a:solidFill>
-                        <a:latin typeface="Cambria Math" panose="02040503050406030204" pitchFamily="18" charset="0"/>
-                      </a:rPr>
-                      <m:t>n</m:t>
-                    </m:r>
-                    <m:r>
-                      <a:rPr xmlns:a="http://schemas.openxmlformats.org/drawingml/2006/main" sz="5000" i="1">
-                        <a:solidFill>
-                          <a:srgbClr val="51A7F9"/>
-                        </a:solidFill>
-                        <a:latin typeface="Cambria Math" panose="02040503050406030204" pitchFamily="18" charset="0"/>
-                      </a:rPr>
-                      <m:t>|</m:t>
-                    </m:r>
-                    <m:sSup>
-                      <m:e>
-                        <m:r>
-                          <a:rPr xmlns:a="http://schemas.openxmlformats.org/drawingml/2006/main" sz="5000" i="1">
-                            <a:solidFill>
-                              <a:srgbClr val="51A7F9"/>
-                            </a:solidFill>
-                            <a:latin typeface="Cambria Math" panose="02040503050406030204" pitchFamily="18" charset="0"/>
-                          </a:rPr>
-                          <m:t>x</m:t>
-                        </m:r>
-                      </m:e>
-                      <m:sup>
-                        <m:r>
-                          <a:rPr xmlns:a="http://schemas.openxmlformats.org/drawingml/2006/main" sz="5000" i="1">
-                            <a:solidFill>
-                              <a:srgbClr val="51A7F9"/>
-                            </a:solidFill>
-                            <a:latin typeface="Cambria Math" panose="02040503050406030204" pitchFamily="18" charset="0"/>
-                          </a:rPr>
-                          <m:t>2</m:t>
-                        </m:r>
-                      </m:sup>
-                    </m:sSup>
-                    <m:r>
-                      <a:rPr xmlns:a="http://schemas.openxmlformats.org/drawingml/2006/main" sz="5000" i="1">
-                        <a:solidFill>
-                          <a:srgbClr val="51A7F9"/>
-                        </a:solidFill>
-                        <a:latin typeface="Cambria Math" panose="02040503050406030204" pitchFamily="18" charset="0"/>
-                      </a:rPr>
-                      <m:t>|</m:t>
-                    </m:r>
-                    <m:r>
-                      <a:rPr xmlns:a="http://schemas.openxmlformats.org/drawingml/2006/main" sz="5000" i="1">
-                        <a:solidFill>
-                          <a:srgbClr val="51A7F9"/>
-                        </a:solidFill>
-                        <a:latin typeface="Cambria Math" panose="02040503050406030204" pitchFamily="18" charset="0"/>
-                      </a:rPr>
-                      <m:t>m</m:t>
-                    </m:r>
-                    <m:r>
-                      <a:rPr xmlns:a="http://schemas.openxmlformats.org/drawingml/2006/main" sz="5000" i="1">
-                        <a:solidFill>
-                          <a:srgbClr val="51A7F9"/>
-                        </a:solidFill>
-                        <a:latin typeface="Cambria Math" panose="02040503050406030204" pitchFamily="18" charset="0"/>
-                      </a:rPr>
-                      <m:t>⟩</m:t>
-                    </m:r>
-                  </m:oMath>
-                </m:oMathPara>
-              </a14:m>
-              <a:endParaRPr sz="5000">
-                <a:solidFill>
-                  <a:srgbClr val="51A7F9"/>
-                </a:solidFill>
-              </a:endParaRPr>
-            </a:p>
-          </p:txBody>
-        </p:sp>
-        <p:sp>
-          <p:nvSpPr>
-            <p:cNvPr id="251" name="Equation"/>
-            <p:cNvSpPr txBox="1"/>
-            <p:nvPr/>
-          </p:nvSpPr>
-          <p:spPr>
-            <a:xfrm>
-              <a:off x="0" y="1296618"/>
-              <a:ext cx="4008371" cy="1952626"/>
-            </a:xfrm>
-            <a:prstGeom prst="rect">
-              <a:avLst/>
-            </a:prstGeom>
-            <a:noFill/>
-            <a:ln w="12700" cap="flat">
-              <a:noFill/>
-              <a:miter lim="400000"/>
-            </a:ln>
-            <a:effectLst/>
-          </p:spPr>
-          <p:txBody>
-            <a:bodyPr wrap="none" lIns="0" tIns="0" rIns="0" bIns="0">
-              <a:spAutoFit/>
-            </a:bodyPr>
-            <a:lstStyle/>
-            <a:p>
-              <a:pPr algn="l" defTabSz="914400" latinLnBrk="1">
-                <a:defRPr sz="1800"/>
-              </a:pPr>
-              <a14:m>
-                <m:oMathPara>
-                  <m:oMathParaPr>
-                    <m:jc m:val="centerGroup"/>
-                  </m:oMathParaPr>
-                  <m:oMath>
-                    <m:r>
-                      <a:rPr xmlns:a="http://schemas.openxmlformats.org/drawingml/2006/main" sz="5000" i="1">
-                        <a:solidFill>
-                          <a:srgbClr val="51A7F9"/>
-                        </a:solidFill>
-                        <a:latin typeface="Cambria Math" panose="02040503050406030204" pitchFamily="18" charset="0"/>
-                      </a:rPr>
-                      <m:t>=</m:t>
-                    </m:r>
-                    <m:r>
-                      <a:rPr xmlns:a="http://schemas.openxmlformats.org/drawingml/2006/main" sz="5000" i="1">
-                        <a:solidFill>
-                          <a:srgbClr val="51A7F9"/>
-                        </a:solidFill>
-                        <a:latin typeface="Cambria Math" panose="02040503050406030204" pitchFamily="18" charset="0"/>
-                      </a:rPr>
-                      <m:t>⟨</m:t>
-                    </m:r>
-                    <m:r>
-                      <a:rPr xmlns:a="http://schemas.openxmlformats.org/drawingml/2006/main" sz="5000" i="1">
-                        <a:solidFill>
-                          <a:srgbClr val="51A7F9"/>
-                        </a:solidFill>
-                        <a:latin typeface="Cambria Math" panose="02040503050406030204" pitchFamily="18" charset="0"/>
-                      </a:rPr>
-                      <m:t>1</m:t>
-                    </m:r>
-                    <m:d>
-                      <m:dPr>
-                        <m:ctrlPr>
-                          <a:rPr xmlns:a="http://schemas.openxmlformats.org/drawingml/2006/main" sz="5000" i="1">
-                            <a:solidFill>
-                              <a:srgbClr val="51A7F9"/>
-                            </a:solidFill>
-                            <a:latin typeface="Cambria Math" panose="02040503050406030204" pitchFamily="18" charset="0"/>
-                          </a:rPr>
-                        </m:ctrlPr>
-                        <m:begChr m:val="|"/>
-                        <m:endChr m:val="|"/>
-                      </m:dPr>
-                      <m:e>
-                        <m:f>
-                          <m:fPr>
-                            <m:ctrlPr>
-                              <a:rPr xmlns:a="http://schemas.openxmlformats.org/drawingml/2006/main" sz="5000" i="1">
-                                <a:solidFill>
-                                  <a:srgbClr val="51A7F9"/>
-                                </a:solidFill>
-                                <a:latin typeface="Cambria Math" panose="02040503050406030204" pitchFamily="18" charset="0"/>
-                              </a:rPr>
-                            </m:ctrlPr>
-                            <m:type m:val="bar"/>
-                          </m:fPr>
-                          <m:num>
-                            <m:r>
-                              <a:rPr xmlns:a="http://schemas.openxmlformats.org/drawingml/2006/main" sz="5000" i="1">
-                                <a:solidFill>
-                                  <a:srgbClr val="51A7F9"/>
-                                </a:solidFill>
-                                <a:latin typeface="Cambria Math" panose="02040503050406030204" pitchFamily="18" charset="0"/>
-                              </a:rPr>
-                              <m:t>d</m:t>
-                            </m:r>
-                          </m:num>
-                          <m:den>
-                            <m:r>
-                              <a:rPr xmlns:a="http://schemas.openxmlformats.org/drawingml/2006/main" sz="5000" i="1">
-                                <a:solidFill>
-                                  <a:srgbClr val="51A7F9"/>
-                                </a:solidFill>
-                                <a:latin typeface="Cambria Math" panose="02040503050406030204" pitchFamily="18" charset="0"/>
-                              </a:rPr>
-                              <m:t>d</m:t>
-                            </m:r>
-                            <m:r>
-                              <a:rPr xmlns:a="http://schemas.openxmlformats.org/drawingml/2006/main" sz="5000" i="1">
-                                <a:solidFill>
-                                  <a:srgbClr val="51A7F9"/>
-                                </a:solidFill>
-                                <a:latin typeface="Cambria Math" panose="02040503050406030204" pitchFamily="18" charset="0"/>
-                              </a:rPr>
-                              <m:t>x</m:t>
-                            </m:r>
-                          </m:den>
-                        </m:f>
-                      </m:e>
-                    </m:d>
-                    <m:r>
-                      <a:rPr xmlns:a="http://schemas.openxmlformats.org/drawingml/2006/main" sz="5000" i="1">
-                        <a:solidFill>
-                          <a:srgbClr val="51A7F9"/>
-                        </a:solidFill>
-                        <a:latin typeface="Cambria Math" panose="02040503050406030204" pitchFamily="18" charset="0"/>
-                      </a:rPr>
-                      <m:t>3</m:t>
-                    </m:r>
-                    <m:r>
-                      <a:rPr xmlns:a="http://schemas.openxmlformats.org/drawingml/2006/main" sz="5000" i="1">
-                        <a:solidFill>
-                          <a:srgbClr val="51A7F9"/>
-                        </a:solidFill>
-                        <a:latin typeface="Cambria Math" panose="02040503050406030204" pitchFamily="18" charset="0"/>
-                      </a:rPr>
-                      <m:t>⟩</m:t>
-                    </m:r>
-                  </m:oMath>
-                </m:oMathPara>
-              </a14:m>
-              <a:endParaRPr sz="5000">
-                <a:solidFill>
-                  <a:srgbClr val="51A7F9"/>
-                </a:solidFill>
-              </a:endParaRPr>
-            </a:p>
-          </p:txBody>
-        </p:sp>
-        <p:sp>
-          <p:nvSpPr>
-            <p:cNvPr id="252" name="Equation"/>
-            <p:cNvSpPr txBox="1"/>
-            <p:nvPr/>
-          </p:nvSpPr>
-          <p:spPr>
-            <a:xfrm>
-              <a:off x="0" y="3688612"/>
-              <a:ext cx="2019300" cy="588011"/>
-            </a:xfrm>
-            <a:prstGeom prst="rect">
-              <a:avLst/>
-            </a:prstGeom>
-            <a:noFill/>
-            <a:ln w="12700" cap="flat">
-              <a:noFill/>
-              <a:miter lim="400000"/>
-            </a:ln>
-            <a:effectLst/>
-          </p:spPr>
-          <p:txBody>
-            <a:bodyPr wrap="none" lIns="0" tIns="0" rIns="0" bIns="0">
-              <a:spAutoFit/>
-            </a:bodyPr>
-            <a:lstStyle/>
-            <a:p>
-              <a:pPr algn="l" defTabSz="914400" latinLnBrk="1">
-                <a:defRPr sz="1800"/>
-              </a:pPr>
-              <a14:m>
-                <m:oMathPara>
-                  <m:oMathParaPr>
-                    <m:jc m:val="centerGroup"/>
-                  </m:oMathParaPr>
-                  <m:oMath>
-                    <m:r>
-                      <a:rPr xmlns:a="http://schemas.openxmlformats.org/drawingml/2006/main" sz="5000" i="1">
-                        <a:solidFill>
-                          <a:srgbClr val="51A7F9"/>
-                        </a:solidFill>
-                        <a:latin typeface="Cambria Math" panose="02040503050406030204" pitchFamily="18" charset="0"/>
-                      </a:rPr>
-                      <m:t>=</m:t>
-                    </m:r>
-                    <m:r>
-                      <a:rPr xmlns:a="http://schemas.openxmlformats.org/drawingml/2006/main" sz="5000" i="1">
-                        <a:solidFill>
-                          <a:srgbClr val="51A7F9"/>
-                        </a:solidFill>
-                        <a:latin typeface="Cambria Math" panose="02040503050406030204" pitchFamily="18" charset="0"/>
-                      </a:rPr>
-                      <m:t>⟨</m:t>
-                    </m:r>
-                    <m:r>
-                      <a:rPr xmlns:a="http://schemas.openxmlformats.org/drawingml/2006/main" sz="5000" i="1">
-                        <a:solidFill>
-                          <a:srgbClr val="51A7F9"/>
-                        </a:solidFill>
-                        <a:latin typeface="Cambria Math" panose="02040503050406030204" pitchFamily="18" charset="0"/>
-                      </a:rPr>
-                      <m:t>1</m:t>
-                    </m:r>
-                    <m:r>
-                      <a:rPr xmlns:a="http://schemas.openxmlformats.org/drawingml/2006/main" sz="5000" i="1">
-                        <a:solidFill>
-                          <a:srgbClr val="51A7F9"/>
-                        </a:solidFill>
-                        <a:latin typeface="Cambria Math" panose="02040503050406030204" pitchFamily="18" charset="0"/>
-                      </a:rPr>
-                      <m:t>|</m:t>
-                    </m:r>
-                    <m:r>
-                      <a:rPr xmlns:a="http://schemas.openxmlformats.org/drawingml/2006/main" sz="5000" i="1">
-                        <a:solidFill>
-                          <a:srgbClr val="51A7F9"/>
-                        </a:solidFill>
-                        <a:latin typeface="Cambria Math" panose="02040503050406030204" pitchFamily="18" charset="0"/>
-                      </a:rPr>
-                      <m:t>2</m:t>
-                    </m:r>
-                    <m:r>
-                      <a:rPr xmlns:a="http://schemas.openxmlformats.org/drawingml/2006/main" sz="5000" i="1">
-                        <a:solidFill>
-                          <a:srgbClr val="51A7F9"/>
-                        </a:solidFill>
-                        <a:latin typeface="Cambria Math" panose="02040503050406030204" pitchFamily="18" charset="0"/>
-                      </a:rPr>
-                      <m:t>⟩</m:t>
-                    </m:r>
-                  </m:oMath>
-                </m:oMathPara>
-              </a14:m>
-              <a:endParaRPr sz="5000">
-                <a:solidFill>
-                  <a:srgbClr val="51A7F9"/>
-                </a:solidFill>
-              </a:endParaRPr>
-            </a:p>
-          </p:txBody>
-        </p:sp>
-      </p:grpSp>
     </p:spTree>
   </p:cSld>
   <p:clrMapOvr>
     <a:masterClrMapping/>
   </p:clrMapOvr>
   <p:transition xmlns:p14="http://schemas.microsoft.com/office/powerpoint/2010/main" spd="med" advClick="1"/>
-  <p:timing>
-    <p:tnLst>
-      <p:par>
-        <p:cTn id="1" nodeType="tmRoot" restart="never" dur="indefinite" fill="hold">
-          <p:childTnLst>
-            <p:seq concurrent="1" prevAc="none" nextAc="seek">
-              <p:cTn id="2" nodeType="mainSeq" dur="indefinite" fill="hold">
-                <p:childTnLst>
-                  <p:par>
-                    <p:cTn id="3" fill="hold">
-                      <p:stCondLst>
-                        <p:cond delay="indefinite"/>
-                      </p:stCondLst>
-                      <p:childTnLst>
-                        <p:par>
-                          <p:cTn id="4" fill="hold">
-                            <p:stCondLst>
-                              <p:cond delay="0"/>
-                            </p:stCondLst>
-                            <p:childTnLst>
-                              <p:par>
-                                <p:cTn id="5" presetClass="entr" nodeType="clickEffect" presetSubtype="0" presetID="1" grpId="1" fill="hold">
-                                  <p:stCondLst>
-                                    <p:cond delay="0"/>
-                                  </p:stCondLst>
-                                  <p:iterate type="el" backwards="0">
-                                    <p:tmAbs val="0"/>
-                                  </p:iterate>
-                                  <p:childTnLst>
-                                    <p:set>
-                                      <p:cBhvr>
-                                        <p:cTn id="6" fill="hold"/>
-                                        <p:tgtEl>
-                                          <p:spTgt spid="253"/>
-                                        </p:tgtEl>
-                                        <p:attrNameLst>
-                                          <p:attrName>style.visibility</p:attrName>
-                                        </p:attrNameLst>
-                                      </p:cBhvr>
-                                      <p:to>
-                                        <p:strVal val="visible"/>
-                                      </p:to>
-                                    </p:set>
-                                  </p:childTnLst>
-                                </p:cTn>
-                              </p:par>
-                            </p:childTnLst>
-                          </p:cTn>
-                        </p:par>
-                      </p:childTnLst>
-                    </p:cTn>
-                  </p:par>
-                </p:childTnLst>
-              </p:cTn>
-              <p:prevCondLst>
-                <p:cond evt="onPrev">
-                  <p:tgtEl>
-                    <p:sldTgt/>
-                  </p:tgtEl>
-                </p:cond>
-              </p:prevCondLst>
-              <p:nextCondLst>
-                <p:cond evt="onNext">
-                  <p:tgtEl>
-                    <p:sldTgt/>
-                  </p:tgtEl>
-                </p:cond>
-              </p:nextCondLst>
-            </p:seq>
-          </p:childTnLst>
-        </p:cTn>
-      </p:par>
-    </p:tnLst>
-    <p:bldLst>
-      <p:bldP build="whole" bldLvl="1" animBg="1" rev="0" advAuto="0" spid="253" grpId="1"/>
-    </p:bldLst>
-  </p:timing>
 </p:sld>
 </file>
 
@@ -12822,7 +10671,7 @@
       </p:grpSpPr>
       <p:sp>
         <p:nvSpPr>
-          <p:cNvPr id="255" name="Hermitian Operators"/>
+          <p:cNvPr id="251" name="Hermitian Operators"/>
           <p:cNvSpPr txBox="1"/>
           <p:nvPr>
             <p:ph type="title"/>
@@ -12846,7 +10695,7 @@
       </p:sp>
       <p:sp>
         <p:nvSpPr>
-          <p:cNvPr id="256" name="For a Hermitian operator,…"/>
+          <p:cNvPr id="252" name="For a Hermitian operator,…"/>
           <p:cNvSpPr txBox="1"/>
           <p:nvPr>
             <p:ph type="body" idx="1"/>
@@ -13289,226 +11138,11 @@
               <a:t>Write the first equality in Dirac Bra-ket notation</a:t>
             </a:r>
           </a:p>
-          <a:p>
-            <a:pPr lvl="1">
-              <a:buClr>
-                <a:srgbClr val="000000"/>
-              </a:buClr>
-              <a:defRPr>
-                <a:solidFill>
-                  <a:schemeClr val="accent1">
-                    <a:satOff val="-3355"/>
-                    <a:lumOff val="26614"/>
-                  </a:schemeClr>
-                </a:solidFill>
-              </a:defRPr>
-            </a:pPr>
-            <a14:m>
-              <m:oMathPara>
-                <m:oMathParaPr>
-                  <m:jc m:val="left"/>
-                </m:oMathParaPr>
-                <m:oMath>
-                  <m:r>
-                    <a:rPr xmlns:a="http://schemas.openxmlformats.org/drawingml/2006/main" sz="6100" i="1">
-                      <a:solidFill>
-                        <a:srgbClr val="51A7F9"/>
-                      </a:solidFill>
-                      <a:latin typeface="Cambria Math" panose="02040503050406030204" pitchFamily="18" charset="0"/>
-                    </a:rPr>
-                    <m:t>⟨</m:t>
-                  </m:r>
-                  <m:r>
-                    <a:rPr xmlns:a="http://schemas.openxmlformats.org/drawingml/2006/main" sz="6100" i="1">
-                      <a:solidFill>
-                        <a:srgbClr val="51A7F9"/>
-                      </a:solidFill>
-                      <a:latin typeface="Cambria Math" panose="02040503050406030204" pitchFamily="18" charset="0"/>
-                    </a:rPr>
-                    <m:t>m</m:t>
-                  </m:r>
-                  <m:r>
-                    <a:rPr xmlns:a="http://schemas.openxmlformats.org/drawingml/2006/main" sz="6100" i="1">
-                      <a:solidFill>
-                        <a:srgbClr val="51A7F9"/>
-                      </a:solidFill>
-                      <a:latin typeface="Cambria Math" panose="02040503050406030204" pitchFamily="18" charset="0"/>
-                    </a:rPr>
-                    <m:t>|</m:t>
-                  </m:r>
-                  <m:limUpp>
-                    <m:e>
-                      <m:r>
-                        <m:rPr>
-                          <m:sty m:val="b"/>
-                        </m:rPr>
-                        <a:rPr xmlns:a="http://schemas.openxmlformats.org/drawingml/2006/main" sz="6100" i="1">
-                          <a:solidFill>
-                            <a:srgbClr val="51A7F9"/>
-                          </a:solidFill>
-                          <a:latin typeface="Cambria Math" panose="02040503050406030204" pitchFamily="18" charset="0"/>
-                        </a:rPr>
-                        <m:t>A</m:t>
-                      </m:r>
-                    </m:e>
-                    <m:lim>
-                      <m:r>
-                        <a:rPr xmlns:a="http://schemas.openxmlformats.org/drawingml/2006/main" sz="6100" i="1">
-                          <a:solidFill>
-                            <a:srgbClr val="51A7F9"/>
-                          </a:solidFill>
-                          <a:latin typeface="Cambria Math" panose="02040503050406030204" pitchFamily="18" charset="0"/>
-                        </a:rPr>
-                        <m:t>̂</m:t>
-                      </m:r>
-                    </m:lim>
-                  </m:limUpp>
-                  <m:r>
-                    <a:rPr xmlns:a="http://schemas.openxmlformats.org/drawingml/2006/main" sz="6100" i="1">
-                      <a:solidFill>
-                        <a:srgbClr val="51A7F9"/>
-                      </a:solidFill>
-                      <a:latin typeface="Cambria Math" panose="02040503050406030204" pitchFamily="18" charset="0"/>
-                    </a:rPr>
-                    <m:t>|</m:t>
-                  </m:r>
-                  <m:r>
-                    <a:rPr xmlns:a="http://schemas.openxmlformats.org/drawingml/2006/main" sz="6100" i="1">
-                      <a:solidFill>
-                        <a:srgbClr val="51A7F9"/>
-                      </a:solidFill>
-                      <a:latin typeface="Cambria Math" panose="02040503050406030204" pitchFamily="18" charset="0"/>
-                    </a:rPr>
-                    <m:t>n</m:t>
-                  </m:r>
-                  <m:r>
-                    <a:rPr xmlns:a="http://schemas.openxmlformats.org/drawingml/2006/main" sz="6100" i="1">
-                      <a:solidFill>
-                        <a:srgbClr val="51A7F9"/>
-                      </a:solidFill>
-                      <a:latin typeface="Cambria Math" panose="02040503050406030204" pitchFamily="18" charset="0"/>
-                    </a:rPr>
-                    <m:t>⟩</m:t>
-                  </m:r>
-                  <m:r>
-                    <a:rPr xmlns:a="http://schemas.openxmlformats.org/drawingml/2006/main" sz="6100" i="1">
-                      <a:solidFill>
-                        <a:srgbClr val="51A7F9"/>
-                      </a:solidFill>
-                      <a:latin typeface="Cambria Math" panose="02040503050406030204" pitchFamily="18" charset="0"/>
-                    </a:rPr>
-                    <m:t>=</m:t>
-                  </m:r>
-                  <m:sSup>
-                    <m:e>
-                      <m:r>
-                        <a:rPr xmlns:a="http://schemas.openxmlformats.org/drawingml/2006/main" sz="6100" i="1">
-                          <a:solidFill>
-                            <a:srgbClr val="51A7F9"/>
-                          </a:solidFill>
-                          <a:latin typeface="Cambria Math" panose="02040503050406030204" pitchFamily="18" charset="0"/>
-                        </a:rPr>
-                        <m:t>⟨</m:t>
-                      </m:r>
-                      <m:r>
-                        <a:rPr xmlns:a="http://schemas.openxmlformats.org/drawingml/2006/main" sz="6100" i="1">
-                          <a:solidFill>
-                            <a:srgbClr val="51A7F9"/>
-                          </a:solidFill>
-                          <a:latin typeface="Cambria Math" panose="02040503050406030204" pitchFamily="18" charset="0"/>
-                        </a:rPr>
-                        <m:t>n</m:t>
-                      </m:r>
-                      <m:r>
-                        <a:rPr xmlns:a="http://schemas.openxmlformats.org/drawingml/2006/main" sz="6100" i="1">
-                          <a:solidFill>
-                            <a:srgbClr val="51A7F9"/>
-                          </a:solidFill>
-                          <a:latin typeface="Cambria Math" panose="02040503050406030204" pitchFamily="18" charset="0"/>
-                        </a:rPr>
-                        <m:t>|</m:t>
-                      </m:r>
-                      <m:limUpp>
-                        <m:e>
-                          <m:r>
-                            <m:rPr>
-                              <m:sty m:val="b"/>
-                            </m:rPr>
-                            <a:rPr xmlns:a="http://schemas.openxmlformats.org/drawingml/2006/main" sz="6100" i="1">
-                              <a:solidFill>
-                                <a:srgbClr val="51A7F9"/>
-                              </a:solidFill>
-                              <a:latin typeface="Cambria Math" panose="02040503050406030204" pitchFamily="18" charset="0"/>
-                            </a:rPr>
-                            <m:t>A</m:t>
-                          </m:r>
-                        </m:e>
-                        <m:lim>
-                          <m:r>
-                            <a:rPr xmlns:a="http://schemas.openxmlformats.org/drawingml/2006/main" sz="6100" i="1">
-                              <a:solidFill>
-                                <a:srgbClr val="51A7F9"/>
-                              </a:solidFill>
-                              <a:latin typeface="Cambria Math" panose="02040503050406030204" pitchFamily="18" charset="0"/>
-                            </a:rPr>
-                            <m:t>̂</m:t>
-                          </m:r>
-                        </m:lim>
-                      </m:limUpp>
-                      <m:r>
-                        <a:rPr xmlns:a="http://schemas.openxmlformats.org/drawingml/2006/main" sz="6100" i="1">
-                          <a:solidFill>
-                            <a:srgbClr val="51A7F9"/>
-                          </a:solidFill>
-                          <a:latin typeface="Cambria Math" panose="02040503050406030204" pitchFamily="18" charset="0"/>
-                        </a:rPr>
-                        <m:t>|</m:t>
-                      </m:r>
-                      <m:r>
-                        <a:rPr xmlns:a="http://schemas.openxmlformats.org/drawingml/2006/main" sz="6100" i="1">
-                          <a:solidFill>
-                            <a:srgbClr val="51A7F9"/>
-                          </a:solidFill>
-                          <a:latin typeface="Cambria Math" panose="02040503050406030204" pitchFamily="18" charset="0"/>
-                        </a:rPr>
-                        <m:t>m</m:t>
-                      </m:r>
-                      <m:r>
-                        <a:rPr xmlns:a="http://schemas.openxmlformats.org/drawingml/2006/main" sz="6100" i="1">
-                          <a:solidFill>
-                            <a:srgbClr val="51A7F9"/>
-                          </a:solidFill>
-                          <a:latin typeface="Cambria Math" panose="02040503050406030204" pitchFamily="18" charset="0"/>
-                        </a:rPr>
-                        <m:t>⟩</m:t>
-                      </m:r>
-                    </m:e>
-                    <m:sup>
-                      <m:r>
-                        <a:rPr xmlns:a="http://schemas.openxmlformats.org/drawingml/2006/main" sz="6100" i="1">
-                          <a:solidFill>
-                            <a:srgbClr val="51A7F9"/>
-                          </a:solidFill>
-                          <a:latin typeface="Cambria Math" panose="02040503050406030204" pitchFamily="18" charset="0"/>
-                        </a:rPr>
-                        <m:t>*</m:t>
-                      </m:r>
-                    </m:sup>
-                  </m:sSup>
-                </m:oMath>
-              </m:oMathPara>
-            </a14:m>
-            <a:endParaRPr>
-              <a:solidFill>
-                <a:srgbClr val="51A7F9"/>
-              </a:solidFill>
-            </a:endParaRPr>
-          </a:p>
         </p:txBody>
       </p:sp>
       <p:sp>
         <p:nvSpPr>
-          <p:cNvPr id="257" name="Slide Number"/>
+          <p:cNvPr id="253" name="Slide Number"/>
           <p:cNvSpPr txBox="1"/>
           <p:nvPr>
             <p:ph type="sldNum" sz="quarter" idx="2"/>
@@ -13572,7 +11206,7 @@
                                       <p:cBhvr>
                                         <p:cTn id="6" fill="hold"/>
                                         <p:tgtEl>
-                                          <p:spTgt spid="256">
+                                          <p:spTgt spid="252">
                                             <p:bg/>
                                           </p:spTgt>
                                         </p:tgtEl>
@@ -13600,7 +11234,7 @@
                                       <p:cBhvr>
                                         <p:cTn id="8" fill="hold"/>
                                         <p:tgtEl>
-                                          <p:spTgt spid="256">
+                                          <p:spTgt spid="252">
                                             <p:txEl>
                                               <p:pRg st="0" end="0"/>
                                             </p:txEl>
@@ -13639,7 +11273,7 @@
                                       <p:cBhvr>
                                         <p:cTn id="11" fill="hold"/>
                                         <p:tgtEl>
-                                          <p:spTgt spid="256">
+                                          <p:spTgt spid="252">
                                             <p:txEl>
                                               <p:pRg st="1" end="1"/>
                                             </p:txEl>
@@ -13687,57 +11321,9 @@
                                       <p:cBhvr>
                                         <p:cTn id="15" fill="hold"/>
                                         <p:tgtEl>
-                                          <p:spTgt spid="256">
+                                          <p:spTgt spid="252">
                                             <p:txEl>
                                               <p:pRg st="2" end="2"/>
-                                            </p:txEl>
-                                          </p:spTgt>
-                                        </p:tgtEl>
-                                        <p:attrNameLst>
-                                          <p:attrName>style.visibility</p:attrName>
-                                        </p:attrNameLst>
-                                      </p:cBhvr>
-                                      <p:to>
-                                        <p:strVal val="visible"/>
-                                      </p:to>
-                                    </p:set>
-                                  </p:childTnLst>
-                                </p:cTn>
-                              </p:par>
-                            </p:childTnLst>
-                          </p:cTn>
-                        </p:par>
-                      </p:childTnLst>
-                    </p:cTn>
-                  </p:par>
-                  <p:par>
-                    <p:cTn id="16" fill="hold">
-                      <p:stCondLst>
-                        <p:cond delay="indefinite"/>
-                      </p:stCondLst>
-                      <p:childTnLst>
-                        <p:par>
-                          <p:cTn id="17" fill="hold">
-                            <p:stCondLst>
-                              <p:cond delay="0"/>
-                            </p:stCondLst>
-                            <p:childTnLst>
-                              <p:par>
-                                <p:cTn id="18" presetClass="entr" nodeType="clickEffect" presetSubtype="0" presetID="1" grpId="1" fill="hold">
-                                  <p:stCondLst>
-                                    <p:cond delay="0"/>
-                                  </p:stCondLst>
-                                  <p:iterate type="el" backwards="0">
-                                    <p:tmAbs val="0"/>
-                                  </p:iterate>
-                                  <p:childTnLst>
-                                    <p:set>
-                                      <p:cBhvr>
-                                        <p:cTn id="19" fill="hold"/>
-                                        <p:tgtEl>
-                                          <p:spTgt spid="256">
-                                            <p:txEl>
-                                              <p:pRg st="3" end="3"/>
                                             </p:txEl>
                                           </p:spTgt>
                                         </p:tgtEl>
@@ -13780,7 +11366,7 @@
       </p:par>
     </p:tnLst>
     <p:bldLst>
-      <p:bldP build="p" bldLvl="5" animBg="1" rev="0" advAuto="0" spid="256" grpId="1"/>
+      <p:bldP build="p" bldLvl="5" animBg="1" rev="0" advAuto="0" spid="252" grpId="1"/>
     </p:bldLst>
   </p:timing>
 </p:sld>
@@ -13921,7 +11507,7 @@
       </p:grpSpPr>
       <p:sp>
         <p:nvSpPr>
-          <p:cNvPr id="259" name="Properties of Hermitian Operators"/>
+          <p:cNvPr id="255" name="Properties of Hermitian Operators"/>
           <p:cNvSpPr txBox="1"/>
           <p:nvPr>
             <p:ph type="title"/>
@@ -13945,7 +11531,7 @@
       </p:sp>
       <p:sp>
         <p:nvSpPr>
-          <p:cNvPr id="260" name="For a Hermitian operator,…"/>
+          <p:cNvPr id="256" name="For a Hermitian operator,…"/>
           <p:cNvSpPr txBox="1"/>
           <p:nvPr>
             <p:ph type="body" idx="1"/>
@@ -14539,7 +12125,7 @@
       </p:sp>
       <p:sp>
         <p:nvSpPr>
-          <p:cNvPr id="261" name="Slide Number"/>
+          <p:cNvPr id="257" name="Slide Number"/>
           <p:cNvSpPr txBox="1"/>
           <p:nvPr>
             <p:ph type="sldNum" sz="quarter" idx="2"/>
@@ -14592,7 +12178,7 @@
       </p:grpSpPr>
       <p:sp>
         <p:nvSpPr>
-          <p:cNvPr id="263" name="Review on Operators"/>
+          <p:cNvPr id="259" name="Review on Operators"/>
           <p:cNvSpPr txBox="1"/>
           <p:nvPr>
             <p:ph type="title"/>
@@ -14616,7 +12202,7 @@
       </p:sp>
       <p:sp>
         <p:nvSpPr>
-          <p:cNvPr id="264" name="Ask yourself whether you can…"/>
+          <p:cNvPr id="260" name="Ask yourself whether you can…"/>
           <p:cNvSpPr txBox="1"/>
           <p:nvPr>
             <p:ph type="body" idx="1"/>
@@ -14744,7 +12330,7 @@
       </p:sp>
       <p:sp>
         <p:nvSpPr>
-          <p:cNvPr id="265" name="Slide Number"/>
+          <p:cNvPr id="261" name="Slide Number"/>
           <p:cNvSpPr txBox="1"/>
           <p:nvPr>
             <p:ph type="sldNum" sz="quarter" idx="2"/>
@@ -17381,108 +14967,6 @@
             </a:r>
           </a:p>
           <a:p>
-            <a:pPr lvl="1">
-              <a:defRPr>
-                <a:solidFill>
-                  <a:schemeClr val="accent1">
-                    <a:satOff val="-3355"/>
-                    <a:lumOff val="26614"/>
-                  </a:schemeClr>
-                </a:solidFill>
-              </a:defRPr>
-            </a:pPr>
-            <a14:m>
-              <m:oMathPara>
-                <m:oMathParaPr>
-                  <m:jc m:val="left"/>
-                </m:oMathParaPr>
-                <m:oMath>
-                  <m:limUpp>
-                    <m:e>
-                      <m:r>
-                        <m:rPr>
-                          <m:sty m:val="b"/>
-                        </m:rPr>
-                        <a:rPr xmlns:a="http://schemas.openxmlformats.org/drawingml/2006/main" sz="6100" i="1">
-                          <a:solidFill>
-                            <a:srgbClr val="51A7F9"/>
-                          </a:solidFill>
-                          <a:latin typeface="Cambria Math" panose="02040503050406030204" pitchFamily="18" charset="0"/>
-                        </a:rPr>
-                        <m:t>A</m:t>
-                      </m:r>
-                    </m:e>
-                    <m:lim>
-                      <m:r>
-                        <a:rPr xmlns:a="http://schemas.openxmlformats.org/drawingml/2006/main" sz="6100" i="1">
-                          <a:solidFill>
-                            <a:srgbClr val="51A7F9"/>
-                          </a:solidFill>
-                          <a:latin typeface="Cambria Math" panose="02040503050406030204" pitchFamily="18" charset="0"/>
-                        </a:rPr>
-                        <m:t>̂</m:t>
-                      </m:r>
-                    </m:lim>
-                  </m:limUpp>
-                  <m:r>
-                    <a:rPr xmlns:a="http://schemas.openxmlformats.org/drawingml/2006/main" sz="6100" i="1">
-                      <a:solidFill>
-                        <a:srgbClr val="51A7F9"/>
-                      </a:solidFill>
-                      <a:latin typeface="Cambria Math" panose="02040503050406030204" pitchFamily="18" charset="0"/>
-                    </a:rPr>
-                    <m:t>f</m:t>
-                  </m:r>
-                  <m:r>
-                    <a:rPr xmlns:a="http://schemas.openxmlformats.org/drawingml/2006/main" sz="6100" i="1">
-                      <a:solidFill>
-                        <a:srgbClr val="51A7F9"/>
-                      </a:solidFill>
-                      <a:latin typeface="Cambria Math" panose="02040503050406030204" pitchFamily="18" charset="0"/>
-                    </a:rPr>
-                    <m:t>=</m:t>
-                  </m:r>
-                  <m:r>
-                    <a:rPr xmlns:a="http://schemas.openxmlformats.org/drawingml/2006/main" sz="6100" i="1">
-                      <a:solidFill>
-                        <a:srgbClr val="51A7F9"/>
-                      </a:solidFill>
-                      <a:latin typeface="Cambria Math" panose="02040503050406030204" pitchFamily="18" charset="0"/>
-                    </a:rPr>
-                    <m:t>15</m:t>
-                  </m:r>
-                  <m:r>
-                    <a:rPr xmlns:a="http://schemas.openxmlformats.org/drawingml/2006/main" sz="6100" i="1">
-                      <a:solidFill>
-                        <a:srgbClr val="51A7F9"/>
-                      </a:solidFill>
-                      <a:latin typeface="Cambria Math" panose="02040503050406030204" pitchFamily="18" charset="0"/>
-                    </a:rPr>
-                    <m:t>x</m:t>
-                  </m:r>
-                  <m:r>
-                    <a:rPr xmlns:a="http://schemas.openxmlformats.org/drawingml/2006/main" sz="6100" i="1">
-                      <a:solidFill>
-                        <a:srgbClr val="51A7F9"/>
-                      </a:solidFill>
-                      <a:latin typeface="Cambria Math" panose="02040503050406030204" pitchFamily="18" charset="0"/>
-                    </a:rPr>
-                    <m:t>+</m:t>
-                  </m:r>
-                  <m:r>
-                    <a:rPr xmlns:a="http://schemas.openxmlformats.org/drawingml/2006/main" sz="6100" i="1">
-                      <a:solidFill>
-                        <a:srgbClr val="51A7F9"/>
-                      </a:solidFill>
-                      <a:latin typeface="Cambria Math" panose="02040503050406030204" pitchFamily="18" charset="0"/>
-                    </a:rPr>
-                    <m:t>50</m:t>
-                  </m:r>
-                </m:oMath>
-              </m:oMathPara>
-            </a14:m>
-          </a:p>
-          <a:p>
             <a:pPr/>
             <a:r>
               <a:t>If </a:t>
@@ -17702,147 +15186,6 @@
             <a:r>
               <a:t>?</a:t>
             </a:r>
-          </a:p>
-          <a:p>
-            <a:pPr lvl="1">
-              <a:defRPr>
-                <a:solidFill>
-                  <a:schemeClr val="accent1">
-                    <a:satOff val="-3355"/>
-                    <a:lumOff val="26614"/>
-                  </a:schemeClr>
-                </a:solidFill>
-              </a:defRPr>
-            </a:pPr>
-            <a14:m>
-              <m:oMathPara>
-                <m:oMathParaPr>
-                  <m:jc m:val="left"/>
-                </m:oMathParaPr>
-                <m:oMath>
-                  <m:limUpp>
-                    <m:e>
-                      <m:r>
-                        <m:rPr>
-                          <m:sty m:val="b"/>
-                        </m:rPr>
-                        <a:rPr xmlns:a="http://schemas.openxmlformats.org/drawingml/2006/main" sz="6100" i="1">
-                          <a:solidFill>
-                            <a:srgbClr val="51A7F9"/>
-                          </a:solidFill>
-                          <a:latin typeface="Cambria Math" panose="02040503050406030204" pitchFamily="18" charset="0"/>
-                        </a:rPr>
-                        <m:t>A</m:t>
-                      </m:r>
-                    </m:e>
-                    <m:lim>
-                      <m:r>
-                        <a:rPr xmlns:a="http://schemas.openxmlformats.org/drawingml/2006/main" sz="6100" i="1">
-                          <a:solidFill>
-                            <a:srgbClr val="51A7F9"/>
-                          </a:solidFill>
-                          <a:latin typeface="Cambria Math" panose="02040503050406030204" pitchFamily="18" charset="0"/>
-                        </a:rPr>
-                        <m:t>̂</m:t>
-                      </m:r>
-                    </m:lim>
-                  </m:limUpp>
-                  <m:r>
-                    <a:rPr xmlns:a="http://schemas.openxmlformats.org/drawingml/2006/main" sz="6100" i="1">
-                      <a:solidFill>
-                        <a:srgbClr val="51A7F9"/>
-                      </a:solidFill>
-                      <a:latin typeface="Cambria Math" panose="02040503050406030204" pitchFamily="18" charset="0"/>
-                    </a:rPr>
-                    <m:t>f</m:t>
-                  </m:r>
-                  <m:r>
-                    <a:rPr xmlns:a="http://schemas.openxmlformats.org/drawingml/2006/main" sz="6100" i="1">
-                      <a:solidFill>
-                        <a:srgbClr val="51A7F9"/>
-                      </a:solidFill>
-                      <a:latin typeface="Cambria Math" panose="02040503050406030204" pitchFamily="18" charset="0"/>
-                    </a:rPr>
-                    <m:t>=</m:t>
-                  </m:r>
-                  <m:r>
-                    <a:rPr xmlns:a="http://schemas.openxmlformats.org/drawingml/2006/main" sz="6100" i="1">
-                      <a:solidFill>
-                        <a:srgbClr val="51A7F9"/>
-                      </a:solidFill>
-                      <a:latin typeface="Cambria Math" panose="02040503050406030204" pitchFamily="18" charset="0"/>
-                    </a:rPr>
-                    <m:t>|</m:t>
-                  </m:r>
-                  <m:rad>
-                    <m:radPr>
-                      <m:ctrlPr>
-                        <a:rPr xmlns:a="http://schemas.openxmlformats.org/drawingml/2006/main" sz="6100" i="1">
-                          <a:solidFill>
-                            <a:srgbClr val="51A7F9"/>
-                          </a:solidFill>
-                          <a:latin typeface="Cambria Math" panose="02040503050406030204" pitchFamily="18" charset="0"/>
-                        </a:rPr>
-                      </m:ctrlPr>
-                      <m:degHide m:val="on"/>
-                    </m:radPr>
-                    <m:deg/>
-                    <m:e>
-                      <m:r>
-                        <a:rPr xmlns:a="http://schemas.openxmlformats.org/drawingml/2006/main" sz="6100" i="1">
-                          <a:solidFill>
-                            <a:srgbClr val="51A7F9"/>
-                          </a:solidFill>
-                          <a:latin typeface="Cambria Math" panose="02040503050406030204" pitchFamily="18" charset="0"/>
-                        </a:rPr>
-                        <m:t>3</m:t>
-                      </m:r>
-                      <m:r>
-                        <a:rPr xmlns:a="http://schemas.openxmlformats.org/drawingml/2006/main" sz="6100" i="1">
-                          <a:solidFill>
-                            <a:srgbClr val="51A7F9"/>
-                          </a:solidFill>
-                          <a:latin typeface="Cambria Math" panose="02040503050406030204" pitchFamily="18" charset="0"/>
-                        </a:rPr>
-                        <m:t>x</m:t>
-                      </m:r>
-                      <m:r>
-                        <a:rPr xmlns:a="http://schemas.openxmlformats.org/drawingml/2006/main" sz="6100" i="1">
-                          <a:solidFill>
-                            <a:srgbClr val="51A7F9"/>
-                          </a:solidFill>
-                          <a:latin typeface="Cambria Math" panose="02040503050406030204" pitchFamily="18" charset="0"/>
-                        </a:rPr>
-                        <m:t>+</m:t>
-                      </m:r>
-                      <m:r>
-                        <a:rPr xmlns:a="http://schemas.openxmlformats.org/drawingml/2006/main" sz="6100" i="1">
-                          <a:solidFill>
-                            <a:srgbClr val="51A7F9"/>
-                          </a:solidFill>
-                          <a:latin typeface="Cambria Math" panose="02040503050406030204" pitchFamily="18" charset="0"/>
-                        </a:rPr>
-                        <m:t>10</m:t>
-                      </m:r>
-                    </m:e>
-                  </m:rad>
-                  <m:r>
-                    <a:rPr xmlns:a="http://schemas.openxmlformats.org/drawingml/2006/main" sz="6100" i="1">
-                      <a:solidFill>
-                        <a:srgbClr val="51A7F9"/>
-                      </a:solidFill>
-                      <a:latin typeface="Cambria Math" panose="02040503050406030204" pitchFamily="18" charset="0"/>
-                    </a:rPr>
-                    <m:t>|</m:t>
-                  </m:r>
-                </m:oMath>
-              </m:oMathPara>
-            </a14:m>
-            <a:endParaRPr>
-              <a:solidFill>
-                <a:srgbClr val="51A7F9"/>
-              </a:solidFill>
-            </a:endParaRPr>
           </a:p>
         </p:txBody>
       </p:sp>
@@ -18351,102 +15694,6 @@
                       </p:childTnLst>
                     </p:cTn>
                   </p:par>
-                  <p:par>
-                    <p:cTn id="41" fill="hold">
-                      <p:stCondLst>
-                        <p:cond delay="indefinite"/>
-                      </p:stCondLst>
-                      <p:childTnLst>
-                        <p:par>
-                          <p:cTn id="42" fill="hold">
-                            <p:stCondLst>
-                              <p:cond delay="0"/>
-                            </p:stCondLst>
-                            <p:childTnLst>
-                              <p:par>
-                                <p:cTn id="43" presetClass="entr" nodeType="clickEffect" presetSubtype="0" presetID="1" grpId="1" fill="hold">
-                                  <p:stCondLst>
-                                    <p:cond delay="0"/>
-                                  </p:stCondLst>
-                                  <p:iterate type="el" backwards="0">
-                                    <p:tmAbs val="0"/>
-                                  </p:iterate>
-                                  <p:childTnLst>
-                                    <p:set>
-                                      <p:cBhvr>
-                                        <p:cTn id="44" fill="hold"/>
-                                        <p:tgtEl>
-                                          <p:spTgt spid="208">
-                                            <p:txEl>
-                                              <p:pRg st="9" end="9"/>
-                                            </p:txEl>
-                                          </p:spTgt>
-                                        </p:tgtEl>
-                                        <p:attrNameLst>
-                                          <p:attrName>style.visibility</p:attrName>
-                                        </p:attrNameLst>
-                                      </p:cBhvr>
-                                      <p:to>
-                                        <p:strVal val="visible"/>
-                                      </p:to>
-                                    </p:set>
-                                  </p:childTnLst>
-                                </p:cTn>
-                              </p:par>
-                            </p:childTnLst>
-                          </p:cTn>
-                        </p:par>
-                      </p:childTnLst>
-                    </p:cTn>
-                  </p:par>
-                  <p:par>
-                    <p:cTn id="45" fill="hold">
-                      <p:stCondLst>
-                        <p:cond delay="indefinite"/>
-                      </p:stCondLst>
-                      <p:childTnLst>
-                        <p:par>
-                          <p:cTn id="46" fill="hold">
-                            <p:stCondLst>
-                              <p:cond delay="0"/>
-                            </p:stCondLst>
-                            <p:childTnLst>
-                              <p:par>
-                                <p:cTn id="47" presetClass="entr" nodeType="clickEffect" presetSubtype="0" presetID="1" grpId="1" fill="hold">
-                                  <p:stCondLst>
-                                    <p:cond delay="0"/>
-                                  </p:stCondLst>
-                                  <p:iterate type="el" backwards="0">
-                                    <p:tmAbs val="0"/>
-                                  </p:iterate>
-                                  <p:childTnLst>
-                                    <p:set>
-                                      <p:cBhvr>
-                                        <p:cTn id="48" fill="hold"/>
-                                        <p:tgtEl>
-                                          <p:spTgt spid="208">
-                                            <p:txEl>
-                                              <p:pRg st="10" end="10"/>
-                                            </p:txEl>
-                                          </p:spTgt>
-                                        </p:tgtEl>
-                                        <p:attrNameLst>
-                                          <p:attrName>style.visibility</p:attrName>
-                                        </p:attrNameLst>
-                                      </p:cBhvr>
-                                      <p:to>
-                                        <p:strVal val="visible"/>
-                                      </p:to>
-                                    </p:set>
-                                  </p:childTnLst>
-                                </p:cTn>
-                              </p:par>
-                            </p:childTnLst>
-                          </p:cTn>
-                        </p:par>
-                      </p:childTnLst>
-                    </p:cTn>
-                  </p:par>
                 </p:childTnLst>
               </p:cTn>
               <p:prevCondLst>
@@ -18891,171 +16138,6 @@
             </a:r>
           </a:p>
           <a:p>
-            <a:pPr lvl="1">
-              <a:defRPr>
-                <a:solidFill>
-                  <a:schemeClr val="accent1">
-                    <a:satOff val="-3355"/>
-                    <a:lumOff val="26614"/>
-                  </a:schemeClr>
-                </a:solidFill>
-              </a:defRPr>
-            </a:pPr>
-            <a14:m>
-              <m:oMathPara>
-                <m:oMathParaPr>
-                  <m:jc m:val="left"/>
-                </m:oMathParaPr>
-                <m:oMath>
-                  <m:limUpp>
-                    <m:e>
-                      <m:r>
-                        <m:rPr>
-                          <m:sty m:val="b"/>
-                        </m:rPr>
-                        <a:rPr xmlns:a="http://schemas.openxmlformats.org/drawingml/2006/main" sz="6100" i="1">
-                          <a:solidFill>
-                            <a:srgbClr val="51A7F9"/>
-                          </a:solidFill>
-                          <a:latin typeface="Cambria Math" panose="02040503050406030204" pitchFamily="18" charset="0"/>
-                        </a:rPr>
-                        <m:t>A</m:t>
-                      </m:r>
-                    </m:e>
-                    <m:lim>
-                      <m:r>
-                        <a:rPr xmlns:a="http://schemas.openxmlformats.org/drawingml/2006/main" sz="6100" i="1">
-                          <a:solidFill>
-                            <a:srgbClr val="51A7F9"/>
-                          </a:solidFill>
-                          <a:latin typeface="Cambria Math" panose="02040503050406030204" pitchFamily="18" charset="0"/>
-                        </a:rPr>
-                        <m:t>̂</m:t>
-                      </m:r>
-                    </m:lim>
-                  </m:limUpp>
-                  <m:limUpp>
-                    <m:e>
-                      <m:r>
-                        <m:rPr>
-                          <m:sty m:val="b"/>
-                        </m:rPr>
-                        <a:rPr xmlns:a="http://schemas.openxmlformats.org/drawingml/2006/main" sz="6100" i="1">
-                          <a:solidFill>
-                            <a:srgbClr val="51A7F9"/>
-                          </a:solidFill>
-                          <a:latin typeface="Cambria Math" panose="02040503050406030204" pitchFamily="18" charset="0"/>
-                        </a:rPr>
-                        <m:t>B</m:t>
-                      </m:r>
-                    </m:e>
-                    <m:lim>
-                      <m:r>
-                        <a:rPr xmlns:a="http://schemas.openxmlformats.org/drawingml/2006/main" sz="6100" i="1">
-                          <a:solidFill>
-                            <a:srgbClr val="51A7F9"/>
-                          </a:solidFill>
-                          <a:latin typeface="Cambria Math" panose="02040503050406030204" pitchFamily="18" charset="0"/>
-                        </a:rPr>
-                        <m:t>̂</m:t>
-                      </m:r>
-                    </m:lim>
-                  </m:limUpp>
-                  <m:r>
-                    <a:rPr xmlns:a="http://schemas.openxmlformats.org/drawingml/2006/main" sz="6100" i="1">
-                      <a:solidFill>
-                        <a:srgbClr val="51A7F9"/>
-                      </a:solidFill>
-                      <a:latin typeface="Cambria Math" panose="02040503050406030204" pitchFamily="18" charset="0"/>
-                    </a:rPr>
-                    <m:t>f</m:t>
-                  </m:r>
-                  <m:r>
-                    <a:rPr xmlns:a="http://schemas.openxmlformats.org/drawingml/2006/main" sz="6100" i="1">
-                      <a:solidFill>
-                        <a:srgbClr val="51A7F9"/>
-                      </a:solidFill>
-                      <a:latin typeface="Cambria Math" panose="02040503050406030204" pitchFamily="18" charset="0"/>
-                    </a:rPr>
-                    <m:t>=</m:t>
-                  </m:r>
-                  <m:limUpp>
-                    <m:e>
-                      <m:r>
-                        <m:rPr>
-                          <m:sty m:val="b"/>
-                        </m:rPr>
-                        <a:rPr xmlns:a="http://schemas.openxmlformats.org/drawingml/2006/main" sz="6100" i="1">
-                          <a:solidFill>
-                            <a:srgbClr val="51A7F9"/>
-                          </a:solidFill>
-                          <a:latin typeface="Cambria Math" panose="02040503050406030204" pitchFamily="18" charset="0"/>
-                        </a:rPr>
-                        <m:t>A</m:t>
-                      </m:r>
-                    </m:e>
-                    <m:lim>
-                      <m:r>
-                        <a:rPr xmlns:a="http://schemas.openxmlformats.org/drawingml/2006/main" sz="6100" i="1">
-                          <a:solidFill>
-                            <a:srgbClr val="51A7F9"/>
-                          </a:solidFill>
-                          <a:latin typeface="Cambria Math" panose="02040503050406030204" pitchFamily="18" charset="0"/>
-                        </a:rPr>
-                        <m:t>̂</m:t>
-                      </m:r>
-                    </m:lim>
-                  </m:limUpp>
-                  <m:r>
-                    <a:rPr xmlns:a="http://schemas.openxmlformats.org/drawingml/2006/main" sz="6100" i="1">
-                      <a:solidFill>
-                        <a:srgbClr val="51A7F9"/>
-                      </a:solidFill>
-                      <a:latin typeface="Cambria Math" panose="02040503050406030204" pitchFamily="18" charset="0"/>
-                    </a:rPr>
-                    <m:t>(</m:t>
-                  </m:r>
-                  <m:r>
-                    <a:rPr xmlns:a="http://schemas.openxmlformats.org/drawingml/2006/main" sz="6100" i="1">
-                      <a:solidFill>
-                        <a:srgbClr val="51A7F9"/>
-                      </a:solidFill>
-                      <a:latin typeface="Cambria Math" panose="02040503050406030204" pitchFamily="18" charset="0"/>
-                    </a:rPr>
-                    <m:t>3</m:t>
-                  </m:r>
-                  <m:r>
-                    <a:rPr xmlns:a="http://schemas.openxmlformats.org/drawingml/2006/main" sz="6100" i="1">
-                      <a:solidFill>
-                        <a:srgbClr val="51A7F9"/>
-                      </a:solidFill>
-                      <a:latin typeface="Cambria Math" panose="02040503050406030204" pitchFamily="18" charset="0"/>
-                    </a:rPr>
-                    <m:t>)</m:t>
-                  </m:r>
-                  <m:r>
-                    <a:rPr xmlns:a="http://schemas.openxmlformats.org/drawingml/2006/main" sz="6100" i="1">
-                      <a:solidFill>
-                        <a:srgbClr val="51A7F9"/>
-                      </a:solidFill>
-                      <a:latin typeface="Cambria Math" panose="02040503050406030204" pitchFamily="18" charset="0"/>
-                    </a:rPr>
-                    <m:t>=</m:t>
-                  </m:r>
-                  <m:r>
-                    <a:rPr xmlns:a="http://schemas.openxmlformats.org/drawingml/2006/main" sz="6100" i="1">
-                      <a:solidFill>
-                        <a:srgbClr val="51A7F9"/>
-                      </a:solidFill>
-                      <a:latin typeface="Cambria Math" panose="02040503050406030204" pitchFamily="18" charset="0"/>
-                    </a:rPr>
-                    <m:t>9</m:t>
-                  </m:r>
-                </m:oMath>
-              </m:oMathPara>
-            </a14:m>
-          </a:p>
-          <a:p>
             <a:pPr/>
             <a:r>
               <a:t>What is </a:t>
@@ -19146,272 +16228,6 @@
             <a:r>
               <a:t>?</a:t>
             </a:r>
-          </a:p>
-          <a:p>
-            <a:pPr lvl="1">
-              <a:defRPr>
-                <a:solidFill>
-                  <a:schemeClr val="accent1">
-                    <a:satOff val="-3355"/>
-                    <a:lumOff val="26614"/>
-                  </a:schemeClr>
-                </a:solidFill>
-              </a:defRPr>
-            </a:pPr>
-            <a14:m>
-              <m:oMathPara>
-                <m:oMathParaPr>
-                  <m:jc m:val="left"/>
-                </m:oMathParaPr>
-                <m:oMath>
-                  <m:limUpp>
-                    <m:e>
-                      <m:r>
-                        <m:rPr>
-                          <m:sty m:val="b"/>
-                        </m:rPr>
-                        <a:rPr xmlns:a="http://schemas.openxmlformats.org/drawingml/2006/main" sz="6100" i="1">
-                          <a:solidFill>
-                            <a:srgbClr val="51A7F9"/>
-                          </a:solidFill>
-                          <a:latin typeface="Cambria Math" panose="02040503050406030204" pitchFamily="18" charset="0"/>
-                        </a:rPr>
-                        <m:t>B</m:t>
-                      </m:r>
-                    </m:e>
-                    <m:lim>
-                      <m:r>
-                        <a:rPr xmlns:a="http://schemas.openxmlformats.org/drawingml/2006/main" sz="6100" i="1">
-                          <a:solidFill>
-                            <a:srgbClr val="51A7F9"/>
-                          </a:solidFill>
-                          <a:latin typeface="Cambria Math" panose="02040503050406030204" pitchFamily="18" charset="0"/>
-                        </a:rPr>
-                        <m:t>̂</m:t>
-                      </m:r>
-                    </m:lim>
-                  </m:limUpp>
-                  <m:limUpp>
-                    <m:e>
-                      <m:r>
-                        <m:rPr>
-                          <m:sty m:val="b"/>
-                        </m:rPr>
-                        <a:rPr xmlns:a="http://schemas.openxmlformats.org/drawingml/2006/main" sz="6100" i="1">
-                          <a:solidFill>
-                            <a:srgbClr val="51A7F9"/>
-                          </a:solidFill>
-                          <a:latin typeface="Cambria Math" panose="02040503050406030204" pitchFamily="18" charset="0"/>
-                        </a:rPr>
-                        <m:t>A</m:t>
-                      </m:r>
-                    </m:e>
-                    <m:lim>
-                      <m:r>
-                        <a:rPr xmlns:a="http://schemas.openxmlformats.org/drawingml/2006/main" sz="6100" i="1">
-                          <a:solidFill>
-                            <a:srgbClr val="51A7F9"/>
-                          </a:solidFill>
-                          <a:latin typeface="Cambria Math" panose="02040503050406030204" pitchFamily="18" charset="0"/>
-                        </a:rPr>
-                        <m:t>̂</m:t>
-                      </m:r>
-                    </m:lim>
-                  </m:limUpp>
-                  <m:r>
-                    <a:rPr xmlns:a="http://schemas.openxmlformats.org/drawingml/2006/main" sz="6100" i="1">
-                      <a:solidFill>
-                        <a:srgbClr val="51A7F9"/>
-                      </a:solidFill>
-                      <a:latin typeface="Cambria Math" panose="02040503050406030204" pitchFamily="18" charset="0"/>
-                    </a:rPr>
-                    <m:t>f</m:t>
-                  </m:r>
-                  <m:r>
-                    <a:rPr xmlns:a="http://schemas.openxmlformats.org/drawingml/2006/main" sz="6100" i="1">
-                      <a:solidFill>
-                        <a:srgbClr val="51A7F9"/>
-                      </a:solidFill>
-                      <a:latin typeface="Cambria Math" panose="02040503050406030204" pitchFamily="18" charset="0"/>
-                    </a:rPr>
-                    <m:t>=</m:t>
-                  </m:r>
-                  <m:limUpp>
-                    <m:e>
-                      <m:r>
-                        <m:rPr>
-                          <m:sty m:val="b"/>
-                        </m:rPr>
-                        <a:rPr xmlns:a="http://schemas.openxmlformats.org/drawingml/2006/main" sz="6100" i="1">
-                          <a:solidFill>
-                            <a:srgbClr val="51A7F9"/>
-                          </a:solidFill>
-                          <a:latin typeface="Cambria Math" panose="02040503050406030204" pitchFamily="18" charset="0"/>
-                        </a:rPr>
-                        <m:t>B</m:t>
-                      </m:r>
-                    </m:e>
-                    <m:lim>
-                      <m:r>
-                        <a:rPr xmlns:a="http://schemas.openxmlformats.org/drawingml/2006/main" sz="6100" i="1">
-                          <a:solidFill>
-                            <a:srgbClr val="51A7F9"/>
-                          </a:solidFill>
-                          <a:latin typeface="Cambria Math" panose="02040503050406030204" pitchFamily="18" charset="0"/>
-                        </a:rPr>
-                        <m:t>̂</m:t>
-                      </m:r>
-                    </m:lim>
-                  </m:limUpp>
-                  <m:r>
-                    <a:rPr xmlns:a="http://schemas.openxmlformats.org/drawingml/2006/main" sz="6100" i="1">
-                      <a:solidFill>
-                        <a:srgbClr val="51A7F9"/>
-                      </a:solidFill>
-                      <a:latin typeface="Cambria Math" panose="02040503050406030204" pitchFamily="18" charset="0"/>
-                    </a:rPr>
-                    <m:t>(</m:t>
-                  </m:r>
-                  <m:r>
-                    <a:rPr xmlns:a="http://schemas.openxmlformats.org/drawingml/2006/main" sz="6100" i="1">
-                      <a:solidFill>
-                        <a:srgbClr val="51A7F9"/>
-                      </a:solidFill>
-                      <a:latin typeface="Cambria Math" panose="02040503050406030204" pitchFamily="18" charset="0"/>
-                    </a:rPr>
-                    <m:t>9</m:t>
-                  </m:r>
-                  <m:sSup>
-                    <m:e>
-                      <m:r>
-                        <a:rPr xmlns:a="http://schemas.openxmlformats.org/drawingml/2006/main" sz="6100" i="1">
-                          <a:solidFill>
-                            <a:srgbClr val="51A7F9"/>
-                          </a:solidFill>
-                          <a:latin typeface="Cambria Math" panose="02040503050406030204" pitchFamily="18" charset="0"/>
-                        </a:rPr>
-                        <m:t>x</m:t>
-                      </m:r>
-                    </m:e>
-                    <m:sup>
-                      <m:r>
-                        <a:rPr xmlns:a="http://schemas.openxmlformats.org/drawingml/2006/main" sz="6100" i="1">
-                          <a:solidFill>
-                            <a:srgbClr val="51A7F9"/>
-                          </a:solidFill>
-                          <a:latin typeface="Cambria Math" panose="02040503050406030204" pitchFamily="18" charset="0"/>
-                        </a:rPr>
-                        <m:t>2</m:t>
-                      </m:r>
-                    </m:sup>
-                  </m:sSup>
-                  <m:r>
-                    <a:rPr xmlns:a="http://schemas.openxmlformats.org/drawingml/2006/main" sz="6100" i="1">
-                      <a:solidFill>
-                        <a:srgbClr val="51A7F9"/>
-                      </a:solidFill>
-                      <a:latin typeface="Cambria Math" panose="02040503050406030204" pitchFamily="18" charset="0"/>
-                    </a:rPr>
-                    <m:t>+</m:t>
-                  </m:r>
-                  <m:r>
-                    <a:rPr xmlns:a="http://schemas.openxmlformats.org/drawingml/2006/main" sz="6100" i="1">
-                      <a:solidFill>
-                        <a:srgbClr val="51A7F9"/>
-                      </a:solidFill>
-                      <a:latin typeface="Cambria Math" panose="02040503050406030204" pitchFamily="18" charset="0"/>
-                    </a:rPr>
-                    <m:t>60</m:t>
-                  </m:r>
-                  <m:r>
-                    <a:rPr xmlns:a="http://schemas.openxmlformats.org/drawingml/2006/main" sz="6100" i="1">
-                      <a:solidFill>
-                        <a:srgbClr val="51A7F9"/>
-                      </a:solidFill>
-                      <a:latin typeface="Cambria Math" panose="02040503050406030204" pitchFamily="18" charset="0"/>
-                    </a:rPr>
-                    <m:t>x</m:t>
-                  </m:r>
-                  <m:r>
-                    <a:rPr xmlns:a="http://schemas.openxmlformats.org/drawingml/2006/main" sz="6100" i="1">
-                      <a:solidFill>
-                        <a:srgbClr val="51A7F9"/>
-                      </a:solidFill>
-                      <a:latin typeface="Cambria Math" panose="02040503050406030204" pitchFamily="18" charset="0"/>
-                    </a:rPr>
-                    <m:t>+</m:t>
-                  </m:r>
-                  <m:r>
-                    <a:rPr xmlns:a="http://schemas.openxmlformats.org/drawingml/2006/main" sz="6100" i="1">
-                      <a:solidFill>
-                        <a:srgbClr val="51A7F9"/>
-                      </a:solidFill>
-                      <a:latin typeface="Cambria Math" panose="02040503050406030204" pitchFamily="18" charset="0"/>
-                    </a:rPr>
-                    <m:t>100</m:t>
-                  </m:r>
-                  <m:r>
-                    <a:rPr xmlns:a="http://schemas.openxmlformats.org/drawingml/2006/main" sz="6100" i="1">
-                      <a:solidFill>
-                        <a:srgbClr val="51A7F9"/>
-                      </a:solidFill>
-                      <a:latin typeface="Cambria Math" panose="02040503050406030204" pitchFamily="18" charset="0"/>
-                    </a:rPr>
-                    <m:t>)</m:t>
-                  </m:r>
-                  <m:r>
-                    <a:rPr xmlns:a="http://schemas.openxmlformats.org/drawingml/2006/main" sz="6100" i="1">
-                      <a:solidFill>
-                        <a:srgbClr val="51A7F9"/>
-                      </a:solidFill>
-                      <a:latin typeface="Cambria Math" panose="02040503050406030204" pitchFamily="18" charset="0"/>
-                    </a:rPr>
-                    <m:t>=</m:t>
-                  </m:r>
-                  <m:r>
-                    <a:rPr xmlns:a="http://schemas.openxmlformats.org/drawingml/2006/main" sz="6100" i="1">
-                      <a:solidFill>
-                        <a:srgbClr val="51A7F9"/>
-                      </a:solidFill>
-                      <a:latin typeface="Cambria Math" panose="02040503050406030204" pitchFamily="18" charset="0"/>
-                    </a:rPr>
-                    <m:t>18</m:t>
-                  </m:r>
-                  <m:r>
-                    <a:rPr xmlns:a="http://schemas.openxmlformats.org/drawingml/2006/main" sz="6100" i="1">
-                      <a:solidFill>
-                        <a:srgbClr val="51A7F9"/>
-                      </a:solidFill>
-                      <a:latin typeface="Cambria Math" panose="02040503050406030204" pitchFamily="18" charset="0"/>
-                    </a:rPr>
-                    <m:t>x</m:t>
-                  </m:r>
-                  <m:r>
-                    <a:rPr xmlns:a="http://schemas.openxmlformats.org/drawingml/2006/main" sz="6100" i="1">
-                      <a:solidFill>
-                        <a:srgbClr val="51A7F9"/>
-                      </a:solidFill>
-                      <a:latin typeface="Cambria Math" panose="02040503050406030204" pitchFamily="18" charset="0"/>
-                    </a:rPr>
-                    <m:t>+</m:t>
-                  </m:r>
-                  <m:r>
-                    <a:rPr xmlns:a="http://schemas.openxmlformats.org/drawingml/2006/main" sz="6100" i="1">
-                      <a:solidFill>
-                        <a:srgbClr val="51A7F9"/>
-                      </a:solidFill>
-                      <a:latin typeface="Cambria Math" panose="02040503050406030204" pitchFamily="18" charset="0"/>
-                    </a:rPr>
-                    <m:t>60</m:t>
-                  </m:r>
-                </m:oMath>
-              </m:oMathPara>
-            </a14:m>
-            <a:endParaRPr>
-              <a:solidFill>
-                <a:srgbClr val="51A7F9"/>
-              </a:solidFill>
-            </a:endParaRPr>
           </a:p>
         </p:txBody>
       </p:sp>
@@ -19747,102 +16563,6 @@
                                           <p:spTgt spid="212">
                                             <p:txEl>
                                               <p:pRg st="5" end="5"/>
-                                            </p:txEl>
-                                          </p:spTgt>
-                                        </p:tgtEl>
-                                        <p:attrNameLst>
-                                          <p:attrName>style.visibility</p:attrName>
-                                        </p:attrNameLst>
-                                      </p:cBhvr>
-                                      <p:to>
-                                        <p:strVal val="visible"/>
-                                      </p:to>
-                                    </p:set>
-                                  </p:childTnLst>
-                                </p:cTn>
-                              </p:par>
-                            </p:childTnLst>
-                          </p:cTn>
-                        </p:par>
-                      </p:childTnLst>
-                    </p:cTn>
-                  </p:par>
-                  <p:par>
-                    <p:cTn id="28" fill="hold">
-                      <p:stCondLst>
-                        <p:cond delay="indefinite"/>
-                      </p:stCondLst>
-                      <p:childTnLst>
-                        <p:par>
-                          <p:cTn id="29" fill="hold">
-                            <p:stCondLst>
-                              <p:cond delay="0"/>
-                            </p:stCondLst>
-                            <p:childTnLst>
-                              <p:par>
-                                <p:cTn id="30" presetClass="entr" nodeType="clickEffect" presetSubtype="0" presetID="1" grpId="1" fill="hold">
-                                  <p:stCondLst>
-                                    <p:cond delay="0"/>
-                                  </p:stCondLst>
-                                  <p:iterate type="el" backwards="0">
-                                    <p:tmAbs val="0"/>
-                                  </p:iterate>
-                                  <p:childTnLst>
-                                    <p:set>
-                                      <p:cBhvr>
-                                        <p:cTn id="31" fill="hold"/>
-                                        <p:tgtEl>
-                                          <p:spTgt spid="212">
-                                            <p:txEl>
-                                              <p:pRg st="6" end="6"/>
-                                            </p:txEl>
-                                          </p:spTgt>
-                                        </p:tgtEl>
-                                        <p:attrNameLst>
-                                          <p:attrName>style.visibility</p:attrName>
-                                        </p:attrNameLst>
-                                      </p:cBhvr>
-                                      <p:to>
-                                        <p:strVal val="visible"/>
-                                      </p:to>
-                                    </p:set>
-                                  </p:childTnLst>
-                                </p:cTn>
-                              </p:par>
-                            </p:childTnLst>
-                          </p:cTn>
-                        </p:par>
-                      </p:childTnLst>
-                    </p:cTn>
-                  </p:par>
-                  <p:par>
-                    <p:cTn id="32" fill="hold">
-                      <p:stCondLst>
-                        <p:cond delay="indefinite"/>
-                      </p:stCondLst>
-                      <p:childTnLst>
-                        <p:par>
-                          <p:cTn id="33" fill="hold">
-                            <p:stCondLst>
-                              <p:cond delay="0"/>
-                            </p:stCondLst>
-                            <p:childTnLst>
-                              <p:par>
-                                <p:cTn id="34" presetClass="entr" nodeType="clickEffect" presetSubtype="0" presetID="1" grpId="1" fill="hold">
-                                  <p:stCondLst>
-                                    <p:cond delay="0"/>
-                                  </p:stCondLst>
-                                  <p:iterate type="el" backwards="0">
-                                    <p:tmAbs val="0"/>
-                                  </p:iterate>
-                                  <p:childTnLst>
-                                    <p:set>
-                                      <p:cBhvr>
-                                        <p:cTn id="35" fill="hold"/>
-                                        <p:tgtEl>
-                                          <p:spTgt spid="212">
-                                            <p:txEl>
-                                              <p:pRg st="7" end="7"/>
                                             </p:txEl>
                                           </p:spTgt>
                                         </p:tgtEl>
